--- a/Network-Security/Module_0 Introduction/NetSec Module 0 -- Course Introduction.pptx
+++ b/Network-Security/Module_0 Introduction/NetSec Module 0 -- Course Introduction.pptx
@@ -5,27 +5,26 @@
     <p:sldMasterId id="2147483686" r:id="rId1"/>
   </p:sldMasterIdLst>
   <p:notesMasterIdLst>
-    <p:notesMasterId r:id="rId15"/>
+    <p:notesMasterId r:id="rId14"/>
   </p:notesMasterIdLst>
   <p:sldIdLst>
     <p:sldId id="256" r:id="rId2"/>
-    <p:sldId id="304" r:id="rId3"/>
-    <p:sldId id="303" r:id="rId4"/>
-    <p:sldId id="305" r:id="rId5"/>
-    <p:sldId id="334" r:id="rId6"/>
-    <p:sldId id="306" r:id="rId7"/>
-    <p:sldId id="335" r:id="rId8"/>
-    <p:sldId id="336" r:id="rId9"/>
-    <p:sldId id="311" r:id="rId10"/>
-    <p:sldId id="337" r:id="rId11"/>
-    <p:sldId id="338" r:id="rId12"/>
-    <p:sldId id="339" r:id="rId13"/>
-    <p:sldId id="333" r:id="rId14"/>
+    <p:sldId id="303" r:id="rId3"/>
+    <p:sldId id="305" r:id="rId4"/>
+    <p:sldId id="334" r:id="rId5"/>
+    <p:sldId id="306" r:id="rId6"/>
+    <p:sldId id="335" r:id="rId7"/>
+    <p:sldId id="336" r:id="rId8"/>
+    <p:sldId id="311" r:id="rId9"/>
+    <p:sldId id="337" r:id="rId10"/>
+    <p:sldId id="338" r:id="rId11"/>
+    <p:sldId id="339" r:id="rId12"/>
+    <p:sldId id="333" r:id="rId13"/>
   </p:sldIdLst>
   <p:sldSz cx="9144000" cy="6858000" type="screen4x3"/>
   <p:notesSz cx="7315200" cy="9601200"/>
   <p:custDataLst>
-    <p:tags r:id="rId16"/>
+    <p:tags r:id="rId15"/>
   </p:custDataLst>
   <p:defaultTextStyle>
     <a:defPPr>
@@ -280,7 +279,7 @@
               <a:pPr>
                 <a:defRPr/>
               </a:pPr>
-              <a:t>3/20/2018</a:t>
+              <a:t>4/19/18</a:t>
             </a:fld>
             <a:endParaRPr lang="en-US"/>
           </a:p>
@@ -732,96 +731,6 @@
 </p:notes>
 </file>
 
-<file path=ppt/notesSlides/notesSlide10.xml><?xml version="1.0" encoding="utf-8"?>
-<p:notes xmlns:a="http://schemas.openxmlformats.org/drawingml/2006/main" xmlns:r="http://schemas.openxmlformats.org/officeDocument/2006/relationships" xmlns:p="http://schemas.openxmlformats.org/presentationml/2006/main">
-  <p:cSld>
-    <p:spTree>
-      <p:nvGrpSpPr>
-        <p:cNvPr id="1" name=""/>
-        <p:cNvGrpSpPr/>
-        <p:nvPr/>
-      </p:nvGrpSpPr>
-      <p:grpSpPr>
-        <a:xfrm>
-          <a:off x="0" y="0"/>
-          <a:ext cx="0" cy="0"/>
-          <a:chOff x="0" y="0"/>
-          <a:chExt cx="0" cy="0"/>
-        </a:xfrm>
-      </p:grpSpPr>
-      <p:sp>
-        <p:nvSpPr>
-          <p:cNvPr id="2" name="Slide Image Placeholder 1"/>
-          <p:cNvSpPr>
-            <a:spLocks noGrp="1" noRot="1" noChangeAspect="1"/>
-          </p:cNvSpPr>
-          <p:nvPr>
-            <p:ph type="sldImg"/>
-          </p:nvPr>
-        </p:nvSpPr>
-        <p:spPr/>
-      </p:sp>
-      <p:sp>
-        <p:nvSpPr>
-          <p:cNvPr id="3" name="Notes Placeholder 2"/>
-          <p:cNvSpPr>
-            <a:spLocks noGrp="1"/>
-          </p:cNvSpPr>
-          <p:nvPr>
-            <p:ph type="body" idx="1"/>
-          </p:nvPr>
-        </p:nvSpPr>
-        <p:spPr/>
-        <p:txBody>
-          <a:bodyPr/>
-          <a:lstStyle/>
-          <a:p>
-            <a:endParaRPr lang="en-US" dirty="0"/>
-          </a:p>
-        </p:txBody>
-      </p:sp>
-      <p:sp>
-        <p:nvSpPr>
-          <p:cNvPr id="4" name="Slide Number Placeholder 3"/>
-          <p:cNvSpPr>
-            <a:spLocks noGrp="1"/>
-          </p:cNvSpPr>
-          <p:nvPr>
-            <p:ph type="sldNum" sz="quarter" idx="10"/>
-          </p:nvPr>
-        </p:nvSpPr>
-        <p:spPr/>
-        <p:txBody>
-          <a:bodyPr/>
-          <a:lstStyle/>
-          <a:p>
-            <a:pPr>
-              <a:defRPr/>
-            </a:pPr>
-            <a:fld id="{ABC2C3F8-920C-4239-9891-79F2271E8033}" type="slidenum">
-              <a:rPr lang="en-US" smtClean="0"/>
-              <a:pPr>
-                <a:defRPr/>
-              </a:pPr>
-              <a:t>13</a:t>
-            </a:fld>
-            <a:endParaRPr lang="en-US"/>
-          </a:p>
-        </p:txBody>
-      </p:sp>
-    </p:spTree>
-    <p:extLst>
-      <p:ext uri="{BB962C8B-B14F-4D97-AF65-F5344CB8AC3E}">
-        <p14:creationId xmlns:p14="http://schemas.microsoft.com/office/powerpoint/2010/main" val="2433617412"/>
-      </p:ext>
-    </p:extLst>
-  </p:cSld>
-  <p:clrMapOvr>
-    <a:masterClrMapping/>
-  </p:clrMapOvr>
-</p:notes>
-</file>
-
 <file path=ppt/notesSlides/notesSlide2.xml><?xml version="1.0" encoding="utf-8"?>
 <p:notes xmlns:a="http://schemas.openxmlformats.org/drawingml/2006/main" xmlns:r="http://schemas.openxmlformats.org/officeDocument/2006/relationships" xmlns:p="http://schemas.openxmlformats.org/presentationml/2006/main">
   <p:cSld>
@@ -841,21 +750,29 @@
       </p:grpSpPr>
       <p:sp>
         <p:nvSpPr>
-          <p:cNvPr id="34818" name="Slide Image Placeholder 1"/>
-          <p:cNvSpPr>
-            <a:spLocks noGrp="1" noRot="1" noChangeAspect="1" noTextEdit="1"/>
+          <p:cNvPr id="15361" name="Slide Image Placeholder 1"/>
+          <p:cNvSpPr>
+            <a:spLocks noGrp="1" noRot="1" noChangeAspect="1"/>
           </p:cNvSpPr>
           <p:nvPr>
             <p:ph type="sldImg"/>
           </p:nvPr>
         </p:nvSpPr>
-        <p:spPr>
-          <a:ln/>
+        <p:spPr bwMode="auto">
+          <a:noFill/>
+          <a:ln>
+            <a:solidFill>
+              <a:srgbClr val="000000"/>
+            </a:solidFill>
+            <a:miter lim="800000"/>
+            <a:headEnd/>
+            <a:tailEnd/>
+          </a:ln>
         </p:spPr>
       </p:sp>
       <p:sp>
         <p:nvSpPr>
-          <p:cNvPr id="34819" name="Notes Placeholder 2"/>
+          <p:cNvPr id="15362" name="Notes Placeholder 2"/>
           <p:cNvSpPr>
             <a:spLocks noGrp="1"/>
           </p:cNvSpPr>
@@ -863,26 +780,82 @@
             <p:ph type="body" idx="1"/>
           </p:nvPr>
         </p:nvSpPr>
-        <p:spPr>
+        <p:spPr bwMode="auto">
           <a:noFill/>
-          <a:ln w="9525"/>
         </p:spPr>
         <p:txBody>
-          <a:bodyPr/>
+          <a:bodyPr wrap="square" numCol="1" anchor="t" anchorCtr="0" compatLnSpc="1">
+            <a:prstTxWarp prst="textNoShape">
+              <a:avLst/>
+            </a:prstTxWarp>
+          </a:bodyPr>
           <a:lstStyle/>
           <a:p>
-            <a:endParaRPr lang="en-US" dirty="0">
-              <a:latin typeface="Arial" charset="0"/>
+            <a:pPr eaLnBrk="1" hangingPunct="1">
+              <a:spcBef>
+                <a:spcPct val="0"/>
+              </a:spcBef>
+            </a:pPr>
+            <a:endParaRPr lang="en-US"/>
+          </a:p>
+        </p:txBody>
+      </p:sp>
+      <p:sp>
+        <p:nvSpPr>
+          <p:cNvPr id="15363" name="Slide Number Placeholder 3"/>
+          <p:cNvSpPr>
+            <a:spLocks noGrp="1"/>
+          </p:cNvSpPr>
+          <p:nvPr>
+            <p:ph type="sldNum" sz="quarter" idx="5"/>
+          </p:nvPr>
+        </p:nvSpPr>
+        <p:spPr bwMode="auto">
+          <a:ln>
+            <a:miter lim="800000"/>
+            <a:headEnd/>
+            <a:tailEnd/>
+          </a:ln>
+        </p:spPr>
+        <p:txBody>
+          <a:bodyPr wrap="square" numCol="1" anchorCtr="0" compatLnSpc="1">
+            <a:prstTxWarp prst="textNoShape">
+              <a:avLst/>
+            </a:prstTxWarp>
+          </a:bodyPr>
+          <a:lstStyle/>
+          <a:p>
+            <a:pPr fontAlgn="base">
+              <a:spcBef>
+                <a:spcPct val="0"/>
+              </a:spcBef>
+              <a:spcAft>
+                <a:spcPct val="0"/>
+              </a:spcAft>
+              <a:defRPr/>
+            </a:pPr>
+            <a:fld id="{712E80AE-A2D3-45AA-9282-165AD6710FE8}" type="slidenum">
+              <a:rPr lang="en-US">
+                <a:cs typeface="Arial" charset="0"/>
+              </a:rPr>
+              <a:pPr fontAlgn="base">
+                <a:spcBef>
+                  <a:spcPct val="0"/>
+                </a:spcBef>
+                <a:spcAft>
+                  <a:spcPct val="0"/>
+                </a:spcAft>
+                <a:defRPr/>
+              </a:pPr>
+              <a:t>2</a:t>
+            </a:fld>
+            <a:endParaRPr lang="en-US">
+              <a:cs typeface="Arial" charset="0"/>
             </a:endParaRPr>
           </a:p>
         </p:txBody>
       </p:sp>
     </p:spTree>
-    <p:extLst>
-      <p:ext uri="{BB962C8B-B14F-4D97-AF65-F5344CB8AC3E}">
-        <p14:creationId xmlns:p14="http://schemas.microsoft.com/office/powerpoint/2010/main" val="3022640712"/>
-      </p:ext>
-    </p:extLst>
   </p:cSld>
   <p:clrMapOvr>
     <a:masterClrMapping/>
@@ -909,7 +882,7 @@
       </p:grpSpPr>
       <p:sp>
         <p:nvSpPr>
-          <p:cNvPr id="15361" name="Slide Image Placeholder 1"/>
+          <p:cNvPr id="2" name="Slide Image Placeholder 1"/>
           <p:cNvSpPr>
             <a:spLocks noGrp="1" noRot="1" noChangeAspect="1"/>
           </p:cNvSpPr>
@@ -917,21 +890,11 @@
             <p:ph type="sldImg"/>
           </p:nvPr>
         </p:nvSpPr>
-        <p:spPr bwMode="auto">
-          <a:noFill/>
-          <a:ln>
-            <a:solidFill>
-              <a:srgbClr val="000000"/>
-            </a:solidFill>
-            <a:miter lim="800000"/>
-            <a:headEnd/>
-            <a:tailEnd/>
-          </a:ln>
-        </p:spPr>
-      </p:sp>
-      <p:sp>
-        <p:nvSpPr>
-          <p:cNvPr id="15362" name="Notes Placeholder 2"/>
+        <p:spPr/>
+      </p:sp>
+      <p:sp>
+        <p:nvSpPr>
+          <p:cNvPr id="3" name="Notes Placeholder 2"/>
           <p:cNvSpPr>
             <a:spLocks noGrp="1"/>
           </p:cNvSpPr>
@@ -939,82 +902,50 @@
             <p:ph type="body" idx="1"/>
           </p:nvPr>
         </p:nvSpPr>
-        <p:spPr bwMode="auto">
-          <a:noFill/>
-        </p:spPr>
-        <p:txBody>
-          <a:bodyPr wrap="square" numCol="1" anchor="t" anchorCtr="0" compatLnSpc="1">
-            <a:prstTxWarp prst="textNoShape">
-              <a:avLst/>
-            </a:prstTxWarp>
-          </a:bodyPr>
+        <p:spPr/>
+        <p:txBody>
+          <a:bodyPr/>
           <a:lstStyle/>
           <a:p>
-            <a:pPr eaLnBrk="1" hangingPunct="1">
-              <a:spcBef>
-                <a:spcPct val="0"/>
-              </a:spcBef>
-            </a:pPr>
-            <a:endParaRPr lang="en-US"/>
-          </a:p>
-        </p:txBody>
-      </p:sp>
-      <p:sp>
-        <p:nvSpPr>
-          <p:cNvPr id="15363" name="Slide Number Placeholder 3"/>
-          <p:cNvSpPr>
-            <a:spLocks noGrp="1"/>
-          </p:cNvSpPr>
-          <p:nvPr>
-            <p:ph type="sldNum" sz="quarter" idx="5"/>
-          </p:nvPr>
-        </p:nvSpPr>
-        <p:spPr bwMode="auto">
-          <a:ln>
-            <a:miter lim="800000"/>
-            <a:headEnd/>
-            <a:tailEnd/>
-          </a:ln>
-        </p:spPr>
-        <p:txBody>
-          <a:bodyPr wrap="square" numCol="1" anchorCtr="0" compatLnSpc="1">
-            <a:prstTxWarp prst="textNoShape">
-              <a:avLst/>
-            </a:prstTxWarp>
-          </a:bodyPr>
+            <a:endParaRPr lang="en-US" dirty="0"/>
+          </a:p>
+        </p:txBody>
+      </p:sp>
+      <p:sp>
+        <p:nvSpPr>
+          <p:cNvPr id="4" name="Slide Number Placeholder 3"/>
+          <p:cNvSpPr>
+            <a:spLocks noGrp="1"/>
+          </p:cNvSpPr>
+          <p:nvPr>
+            <p:ph type="sldNum" sz="quarter" idx="10"/>
+          </p:nvPr>
+        </p:nvSpPr>
+        <p:spPr/>
+        <p:txBody>
+          <a:bodyPr/>
           <a:lstStyle/>
           <a:p>
-            <a:pPr fontAlgn="base">
-              <a:spcBef>
-                <a:spcPct val="0"/>
-              </a:spcBef>
-              <a:spcAft>
-                <a:spcPct val="0"/>
-              </a:spcAft>
+            <a:pPr>
               <a:defRPr/>
             </a:pPr>
-            <a:fld id="{712E80AE-A2D3-45AA-9282-165AD6710FE8}" type="slidenum">
-              <a:rPr lang="en-US">
-                <a:cs typeface="Arial" charset="0"/>
-              </a:rPr>
-              <a:pPr fontAlgn="base">
-                <a:spcBef>
-                  <a:spcPct val="0"/>
-                </a:spcBef>
-                <a:spcAft>
-                  <a:spcPct val="0"/>
-                </a:spcAft>
+            <a:fld id="{ABC2C3F8-920C-4239-9891-79F2271E8033}" type="slidenum">
+              <a:rPr lang="en-US" smtClean="0"/>
+              <a:pPr>
                 <a:defRPr/>
               </a:pPr>
               <a:t>3</a:t>
             </a:fld>
-            <a:endParaRPr lang="en-US">
-              <a:cs typeface="Arial" charset="0"/>
-            </a:endParaRPr>
+            <a:endParaRPr lang="en-US"/>
           </a:p>
         </p:txBody>
       </p:sp>
     </p:spTree>
+    <p:extLst>
+      <p:ext uri="{BB962C8B-B14F-4D97-AF65-F5344CB8AC3E}">
+        <p14:creationId xmlns:p14="http://schemas.microsoft.com/office/powerpoint/2010/main" val="403888247"/>
+      </p:ext>
+    </p:extLst>
   </p:cSld>
   <p:clrMapOvr>
     <a:masterClrMapping/>
@@ -1102,7 +1033,7 @@
     </p:spTree>
     <p:extLst>
       <p:ext uri="{BB962C8B-B14F-4D97-AF65-F5344CB8AC3E}">
-        <p14:creationId xmlns:p14="http://schemas.microsoft.com/office/powerpoint/2010/main" val="403888247"/>
+        <p14:creationId xmlns:p14="http://schemas.microsoft.com/office/powerpoint/2010/main" val="3664110914"/>
       </p:ext>
     </p:extLst>
   </p:cSld>
@@ -1192,7 +1123,7 @@
     </p:spTree>
     <p:extLst>
       <p:ext uri="{BB962C8B-B14F-4D97-AF65-F5344CB8AC3E}">
-        <p14:creationId xmlns:p14="http://schemas.microsoft.com/office/powerpoint/2010/main" val="3664110914"/>
+        <p14:creationId xmlns:p14="http://schemas.microsoft.com/office/powerpoint/2010/main" val="2734158479"/>
       </p:ext>
     </p:extLst>
   </p:cSld>
@@ -1282,7 +1213,7 @@
     </p:spTree>
     <p:extLst>
       <p:ext uri="{BB962C8B-B14F-4D97-AF65-F5344CB8AC3E}">
-        <p14:creationId xmlns:p14="http://schemas.microsoft.com/office/powerpoint/2010/main" val="2734158479"/>
+        <p14:creationId xmlns:p14="http://schemas.microsoft.com/office/powerpoint/2010/main" val="3981663266"/>
       </p:ext>
     </p:extLst>
   </p:cSld>
@@ -1336,7 +1267,7 @@
           <a:bodyPr/>
           <a:lstStyle/>
           <a:p>
-            <a:endParaRPr lang="en-US" dirty="0"/>
+            <a:endParaRPr lang="en-US"/>
           </a:p>
         </p:txBody>
       </p:sp>
@@ -1363,7 +1294,7 @@
               <a:pPr>
                 <a:defRPr/>
               </a:pPr>
-              <a:t>7</a:t>
+              <a:t>8</a:t>
             </a:fld>
             <a:endParaRPr lang="en-US"/>
           </a:p>
@@ -1372,7 +1303,7 @@
     </p:spTree>
     <p:extLst>
       <p:ext uri="{BB962C8B-B14F-4D97-AF65-F5344CB8AC3E}">
-        <p14:creationId xmlns:p14="http://schemas.microsoft.com/office/powerpoint/2010/main" val="3981663266"/>
+        <p14:creationId xmlns:p14="http://schemas.microsoft.com/office/powerpoint/2010/main" val="1692951530"/>
       </p:ext>
     </p:extLst>
   </p:cSld>
@@ -1453,7 +1384,7 @@
               <a:pPr>
                 <a:defRPr/>
               </a:pPr>
-              <a:t>9</a:t>
+              <a:t>11</a:t>
             </a:fld>
             <a:endParaRPr lang="en-US"/>
           </a:p>
@@ -1462,7 +1393,7 @@
     </p:spTree>
     <p:extLst>
       <p:ext uri="{BB962C8B-B14F-4D97-AF65-F5344CB8AC3E}">
-        <p14:creationId xmlns:p14="http://schemas.microsoft.com/office/powerpoint/2010/main" val="1692951530"/>
+        <p14:creationId xmlns:p14="http://schemas.microsoft.com/office/powerpoint/2010/main" val="3718370967"/>
       </p:ext>
     </p:extLst>
   </p:cSld>
@@ -1516,7 +1447,7 @@
           <a:bodyPr/>
           <a:lstStyle/>
           <a:p>
-            <a:endParaRPr lang="en-US"/>
+            <a:endParaRPr lang="en-US" dirty="0"/>
           </a:p>
         </p:txBody>
       </p:sp>
@@ -1552,7 +1483,7 @@
     </p:spTree>
     <p:extLst>
       <p:ext uri="{BB962C8B-B14F-4D97-AF65-F5344CB8AC3E}">
-        <p14:creationId xmlns:p14="http://schemas.microsoft.com/office/powerpoint/2010/main" val="3718370967"/>
+        <p14:creationId xmlns:p14="http://schemas.microsoft.com/office/powerpoint/2010/main" val="2433617412"/>
       </p:ext>
     </p:extLst>
   </p:cSld>
@@ -3516,7 +3447,7 @@
           <p:cNvPr id="2" name="Title 1">
             <a:extLst>
               <a:ext uri="{FF2B5EF4-FFF2-40B4-BE49-F238E27FC236}">
-                <a16:creationId xmlns:a16="http://schemas.microsoft.com/office/drawing/2014/main" id="{5C287DE2-E1A2-4F41-96FE-94AF4425CB03}"/>
+                <a16:creationId xmlns:a16="http://schemas.microsoft.com/office/drawing/2014/main" xmlns="" id="{5C287DE2-E1A2-4F41-96FE-94AF4425CB03}"/>
               </a:ext>
             </a:extLst>
           </p:cNvPr>
@@ -3541,6 +3472,10 @@
             </a:lvl1pPr>
           </a:lstStyle>
           <a:p>
+            <a:r>
+              <a:rPr lang="en-US" dirty="0"/>
+              <a:t/>
+            </a:r>
             <a:br>
               <a:rPr lang="en-US" dirty="0"/>
             </a:br>
@@ -3551,27 +3486,59 @@
             <a:br>
               <a:rPr lang="en-US" dirty="0"/>
             </a:br>
+            <a:r>
+              <a:rPr lang="en-US" dirty="0"/>
+              <a:t/>
+            </a:r>
             <a:br>
               <a:rPr lang="en-US" dirty="0"/>
             </a:br>
+            <a:r>
+              <a:rPr lang="en-US" dirty="0"/>
+              <a:t/>
+            </a:r>
             <a:br>
               <a:rPr lang="en-US" dirty="0"/>
             </a:br>
+            <a:r>
+              <a:rPr lang="en-US" dirty="0"/>
+              <a:t/>
+            </a:r>
             <a:br>
               <a:rPr lang="en-US" dirty="0"/>
             </a:br>
+            <a:r>
+              <a:rPr lang="en-US" dirty="0"/>
+              <a:t/>
+            </a:r>
             <a:br>
               <a:rPr lang="en-US" dirty="0"/>
             </a:br>
+            <a:r>
+              <a:rPr lang="en-US" dirty="0"/>
+              <a:t/>
+            </a:r>
             <a:br>
               <a:rPr lang="en-US" dirty="0"/>
             </a:br>
+            <a:r>
+              <a:rPr lang="en-US" dirty="0"/>
+              <a:t/>
+            </a:r>
             <a:br>
               <a:rPr lang="en-US" dirty="0"/>
             </a:br>
+            <a:r>
+              <a:rPr lang="en-US" dirty="0"/>
+              <a:t/>
+            </a:r>
             <a:br>
               <a:rPr lang="en-US" dirty="0"/>
             </a:br>
+            <a:r>
+              <a:rPr lang="en-US" dirty="0"/>
+              <a:t/>
+            </a:r>
             <a:br>
               <a:rPr lang="en-US" dirty="0"/>
             </a:br>
@@ -3582,6 +3549,10 @@
             <a:br>
               <a:rPr lang="en-US" dirty="0"/>
             </a:br>
+            <a:r>
+              <a:rPr lang="en-US" dirty="0"/>
+              <a:t/>
+            </a:r>
             <a:br>
               <a:rPr lang="en-US" dirty="0"/>
             </a:br>
@@ -3592,6 +3563,10 @@
             <a:br>
               <a:rPr lang="en-US" dirty="0"/>
             </a:br>
+            <a:r>
+              <a:rPr lang="en-US" dirty="0"/>
+              <a:t/>
+            </a:r>
             <a:br>
               <a:rPr lang="en-US" dirty="0"/>
             </a:br>
@@ -3611,7 +3586,7 @@
           <p:cNvPr id="3" name="Slide Number Placeholder 2">
             <a:extLst>
               <a:ext uri="{FF2B5EF4-FFF2-40B4-BE49-F238E27FC236}">
-                <a16:creationId xmlns:a16="http://schemas.microsoft.com/office/drawing/2014/main" id="{7D2FFADE-E1BC-48C1-83AA-6DDDD39A33C4}"/>
+                <a16:creationId xmlns:a16="http://schemas.microsoft.com/office/drawing/2014/main" xmlns="" id="{7D2FFADE-E1BC-48C1-83AA-6DDDD39A33C4}"/>
               </a:ext>
             </a:extLst>
           </p:cNvPr>
@@ -3646,7 +3621,7 @@
           <p:cNvPr id="9" name="Picture 8">
             <a:extLst>
               <a:ext uri="{FF2B5EF4-FFF2-40B4-BE49-F238E27FC236}">
-                <a16:creationId xmlns:a16="http://schemas.microsoft.com/office/drawing/2014/main" id="{9CBFC76A-A606-42CF-BCDF-C73975C150B9}"/>
+                <a16:creationId xmlns:a16="http://schemas.microsoft.com/office/drawing/2014/main" xmlns="" id="{9CBFC76A-A606-42CF-BCDF-C73975C150B9}"/>
               </a:ext>
             </a:extLst>
           </p:cNvPr>
@@ -4612,6 +4587,14 @@
           <a:bodyPr/>
           <a:lstStyle/>
           <a:p>
+            <a:r>
+              <a:rPr lang="en-US" dirty="0">
+                <a:solidFill>
+                  <a:srgbClr val="FF00FF"/>
+                </a:solidFill>
+              </a:rPr>
+              <a:t/>
+            </a:r>
             <a:br>
               <a:rPr lang="en-US" dirty="0">
                 <a:solidFill>
@@ -4619,6 +4602,14 @@
                 </a:solidFill>
               </a:rPr>
             </a:br>
+            <a:r>
+              <a:rPr lang="en-US" dirty="0">
+                <a:solidFill>
+                  <a:srgbClr val="FF00FF"/>
+                </a:solidFill>
+              </a:rPr>
+              <a:t/>
+            </a:r>
             <a:br>
               <a:rPr lang="en-US" dirty="0">
                 <a:solidFill>
@@ -4698,7 +4689,7 @@
           <p:cNvPr id="2" name="Title 1">
             <a:extLst>
               <a:ext uri="{FF2B5EF4-FFF2-40B4-BE49-F238E27FC236}">
-                <a16:creationId xmlns:a16="http://schemas.microsoft.com/office/drawing/2014/main" id="{EC6C60D9-666B-4B53-A2C3-260DF1CCF44F}"/>
+                <a16:creationId xmlns:a16="http://schemas.microsoft.com/office/drawing/2014/main" xmlns="" id="{B35B88E5-9A25-40A1-BF8B-283FDA8F4609}"/>
               </a:ext>
             </a:extLst>
           </p:cNvPr>
@@ -4716,7 +4707,7 @@
           <a:p>
             <a:r>
               <a:rPr lang="en-US" dirty="0"/>
-              <a:t>Course Prerequisites – Data Representations</a:t>
+              <a:t>Course Prerequisites – IT Fundamentals</a:t>
             </a:r>
           </a:p>
         </p:txBody>
@@ -4726,7 +4717,7 @@
           <p:cNvPr id="3" name="Content Placeholder 2">
             <a:extLst>
               <a:ext uri="{FF2B5EF4-FFF2-40B4-BE49-F238E27FC236}">
-                <a16:creationId xmlns:a16="http://schemas.microsoft.com/office/drawing/2014/main" id="{C1EBEEDC-F8EE-4852-AEF7-6AAA15D5E270}"/>
+                <a16:creationId xmlns:a16="http://schemas.microsoft.com/office/drawing/2014/main" xmlns="" id="{2861C28E-CA49-4641-BD35-06CDD9FA5F84}"/>
               </a:ext>
             </a:extLst>
           </p:cNvPr>
@@ -4744,62 +4735,81 @@
           <a:p>
             <a:r>
               <a:rPr lang="en-US" dirty="0"/>
-              <a:t>Students should be familiar with data representations, including:</a:t>
+              <a:t>Students should be aware of the basic functionality and concepts of the following:</a:t>
             </a:r>
           </a:p>
           <a:p>
             <a:pPr lvl="1"/>
             <a:r>
               <a:rPr lang="en-US" dirty="0"/>
-              <a:t>Binary representations of numbers (signed and unsigned integers, floats, characters, abstract data types</a:t>
+              <a:t>Endpoint Devices:</a:t>
+            </a:r>
+          </a:p>
+          <a:p>
+            <a:pPr lvl="2"/>
+            <a:r>
+              <a:rPr lang="en-US" dirty="0"/>
+              <a:t>Workstations, Servers, </a:t>
+            </a:r>
+          </a:p>
+          <a:p>
+            <a:pPr lvl="2"/>
+            <a:r>
+              <a:rPr lang="en-US" dirty="0"/>
+              <a:t>Peripheral Devices, Security Devices, </a:t>
+            </a:r>
+          </a:p>
+          <a:p>
+            <a:pPr lvl="2"/>
+            <a:r>
+              <a:rPr lang="en-US" dirty="0"/>
+              <a:t>Network Storage Devices,</a:t>
+            </a:r>
+          </a:p>
+          <a:p>
+            <a:pPr lvl="2"/>
+            <a:r>
+              <a:rPr lang="en-US" dirty="0"/>
+              <a:t>Mobile Devices</a:t>
             </a:r>
           </a:p>
           <a:p>
             <a:pPr lvl="1"/>
             <a:r>
               <a:rPr lang="en-US" dirty="0"/>
-              <a:t>Hexadecimal (HEX) numbers</a:t>
+              <a:t>Intermedia Devices (will cover this in class)</a:t>
+            </a:r>
+          </a:p>
+          <a:p>
+            <a:pPr lvl="2"/>
+            <a:r>
+              <a:rPr lang="en-US" dirty="0"/>
+              <a:t>Switches/Hubs</a:t>
+            </a:r>
+          </a:p>
+          <a:p>
+            <a:pPr lvl="2"/>
+            <a:r>
+              <a:rPr lang="en-US" dirty="0"/>
+              <a:t>Routers</a:t>
+            </a:r>
+          </a:p>
+          <a:p>
+            <a:pPr lvl="2"/>
+            <a:r>
+              <a:rPr lang="en-US" dirty="0"/>
+              <a:t>Gateways</a:t>
+            </a:r>
+          </a:p>
+          <a:p>
+            <a:pPr lvl="2"/>
+            <a:r>
+              <a:rPr lang="en-US" dirty="0"/>
+              <a:t>Domain Name Services (DNS)</a:t>
             </a:r>
           </a:p>
           <a:p>
             <a:pPr lvl="1"/>
-            <a:r>
-              <a:rPr lang="en-US" dirty="0"/>
-              <a:t>Endianness (specifically big and little endian byte orders)</a:t>
-            </a:r>
-          </a:p>
-          <a:p>
-            <a:pPr lvl="1"/>
-            <a:r>
-              <a:rPr lang="en-US" dirty="0"/>
-              <a:t>Concepts of abstraction : from bits to complex data</a:t>
-            </a:r>
-          </a:p>
-          <a:p>
-            <a:pPr lvl="1"/>
-            <a:r>
-              <a:rPr lang="en-US" dirty="0"/>
-              <a:t>Layering of data representations</a:t>
-            </a:r>
-          </a:p>
-          <a:p>
-            <a:pPr lvl="2"/>
-            <a:r>
-              <a:rPr lang="en-US" dirty="0"/>
-              <a:t>Single data type, to structures and objects, to databases</a:t>
-            </a:r>
-          </a:p>
-          <a:p>
-            <a:pPr lvl="2"/>
-            <a:r>
-              <a:rPr lang="en-US" dirty="0"/>
-              <a:t>Nested typing</a:t>
-            </a:r>
-          </a:p>
-          <a:p>
-            <a:pPr marL="342900" lvl="1" indent="0">
-              <a:buNone/>
-            </a:pPr>
             <a:endParaRPr lang="en-US" dirty="0"/>
           </a:p>
         </p:txBody>
@@ -4809,7 +4819,7 @@
           <p:cNvPr id="4" name="Slide Number Placeholder 3">
             <a:extLst>
               <a:ext uri="{FF2B5EF4-FFF2-40B4-BE49-F238E27FC236}">
-                <a16:creationId xmlns:a16="http://schemas.microsoft.com/office/drawing/2014/main" id="{8AEED27E-680C-44EC-A66F-2E1DBF7DB498}"/>
+                <a16:creationId xmlns:a16="http://schemas.microsoft.com/office/drawing/2014/main" xmlns="" id="{3B09306A-9FDC-4CE7-BE20-CE38313CE13B}"/>
               </a:ext>
             </a:extLst>
           </p:cNvPr>
@@ -4845,7 +4855,7 @@
     </p:custDataLst>
     <p:extLst>
       <p:ext uri="{BB962C8B-B14F-4D97-AF65-F5344CB8AC3E}">
-        <p14:creationId xmlns:p14="http://schemas.microsoft.com/office/powerpoint/2010/main" val="881709484"/>
+        <p14:creationId xmlns:p14="http://schemas.microsoft.com/office/powerpoint/2010/main" val="4245723429"/>
       </p:ext>
     </p:extLst>
   </p:cSld>
@@ -4877,7 +4887,7 @@
           <p:cNvPr id="2" name="Title 1">
             <a:extLst>
               <a:ext uri="{FF2B5EF4-FFF2-40B4-BE49-F238E27FC236}">
-                <a16:creationId xmlns:a16="http://schemas.microsoft.com/office/drawing/2014/main" id="{B35B88E5-9A25-40A1-BF8B-283FDA8F4609}"/>
+                <a16:creationId xmlns:a16="http://schemas.microsoft.com/office/drawing/2014/main" xmlns="" id="{25585BDC-DDED-4072-8A71-1B4183A6BACD}"/>
               </a:ext>
             </a:extLst>
           </p:cNvPr>
@@ -4895,7 +4905,7 @@
           <a:p>
             <a:r>
               <a:rPr lang="en-US" dirty="0"/>
-              <a:t>Course Prerequisites – IT Fundamentals</a:t>
+              <a:t>Course Prerequisites: Cybersecurity Fundamentals</a:t>
             </a:r>
           </a:p>
         </p:txBody>
@@ -4905,7 +4915,7 @@
           <p:cNvPr id="3" name="Content Placeholder 2">
             <a:extLst>
               <a:ext uri="{FF2B5EF4-FFF2-40B4-BE49-F238E27FC236}">
-                <a16:creationId xmlns:a16="http://schemas.microsoft.com/office/drawing/2014/main" id="{2861C28E-CA49-4641-BD35-06CDD9FA5F84}"/>
+                <a16:creationId xmlns:a16="http://schemas.microsoft.com/office/drawing/2014/main" xmlns="" id="{93880142-08AE-4B26-8DF5-F9963BEF4C7D}"/>
               </a:ext>
             </a:extLst>
           </p:cNvPr>
@@ -4923,81 +4933,77 @@
           <a:p>
             <a:r>
               <a:rPr lang="en-US" dirty="0"/>
-              <a:t>Students should be aware of the basic functionality and concepts of the following:</a:t>
+              <a:t>Students should be familiar with:</a:t>
             </a:r>
           </a:p>
           <a:p>
             <a:pPr lvl="1"/>
             <a:r>
-              <a:rPr lang="en-US" dirty="0"/>
-              <a:t>Endpoint Devices:</a:t>
+              <a:rPr lang="en-US" dirty="0" err="1"/>
+              <a:t>McCumber</a:t>
+            </a:r>
+            <a:r>
+              <a:rPr lang="en-US" dirty="0"/>
+              <a:t> Cube model of cybersecurity</a:t>
+            </a:r>
+          </a:p>
+          <a:p>
+            <a:pPr lvl="1"/>
+            <a:r>
+              <a:rPr lang="en-US" dirty="0"/>
+              <a:t>Cybersecurity goals (the CIA triad): </a:t>
             </a:r>
           </a:p>
           <a:p>
             <a:pPr lvl="2"/>
             <a:r>
               <a:rPr lang="en-US" dirty="0"/>
-              <a:t>Workstations, Servers, </a:t>
+              <a:t>Confidentiality, Integrity and Availability</a:t>
+            </a:r>
+          </a:p>
+          <a:p>
+            <a:pPr lvl="1"/>
+            <a:r>
+              <a:rPr lang="en-US" dirty="0"/>
+              <a:t>Differences between</a:t>
             </a:r>
           </a:p>
           <a:p>
             <a:pPr lvl="2"/>
             <a:r>
               <a:rPr lang="en-US" dirty="0"/>
-              <a:t>Peripheral Devices, Security Devices, </a:t>
+              <a:t>Vulnerabilities, threats and attacks</a:t>
             </a:r>
           </a:p>
           <a:p>
             <a:pPr lvl="2"/>
             <a:r>
               <a:rPr lang="en-US" dirty="0"/>
-              <a:t>Network Storage Devices,</a:t>
-            </a:r>
-          </a:p>
-          <a:p>
-            <a:pPr lvl="2"/>
-            <a:r>
-              <a:rPr lang="en-US" dirty="0"/>
-              <a:t>Mobile Devices</a:t>
+              <a:t>Cybersecurity policy and mechanism</a:t>
             </a:r>
           </a:p>
           <a:p>
             <a:pPr lvl="1"/>
             <a:r>
-              <a:rPr lang="en-US" dirty="0"/>
-              <a:t>Intermedia Devices (will cover this in class)</a:t>
-            </a:r>
-          </a:p>
-          <a:p>
-            <a:pPr lvl="2"/>
-            <a:r>
-              <a:rPr lang="en-US" dirty="0"/>
-              <a:t>Switches/Hubs</a:t>
-            </a:r>
-          </a:p>
-          <a:p>
-            <a:pPr lvl="2"/>
-            <a:r>
-              <a:rPr lang="en-US" dirty="0"/>
-              <a:t>Routers</a:t>
-            </a:r>
-          </a:p>
-          <a:p>
-            <a:pPr lvl="2"/>
-            <a:r>
-              <a:rPr lang="en-US" dirty="0"/>
-              <a:t>Gateways</a:t>
-            </a:r>
-          </a:p>
-          <a:p>
-            <a:pPr lvl="2"/>
-            <a:r>
-              <a:rPr lang="en-US" dirty="0"/>
-              <a:t>Domain Name Services (DNS)</a:t>
+              <a:rPr lang="en-US" dirty="0" err="1"/>
+              <a:t>Saltzer</a:t>
+            </a:r>
+            <a:r>
+              <a:rPr lang="en-US" dirty="0"/>
+              <a:t> and Schroeder principles</a:t>
             </a:r>
           </a:p>
           <a:p>
             <a:pPr lvl="1"/>
+            <a:r>
+              <a:rPr lang="en-US" dirty="0"/>
+              <a:t>Anderson report</a:t>
+            </a:r>
+          </a:p>
+          <a:p>
+            <a:pPr marL="342900" lvl="1" indent="0">
+              <a:buNone/>
+            </a:pPr>
             <a:endParaRPr lang="en-US" dirty="0"/>
           </a:p>
         </p:txBody>
@@ -5007,7 +5013,7 @@
           <p:cNvPr id="4" name="Slide Number Placeholder 3">
             <a:extLst>
               <a:ext uri="{FF2B5EF4-FFF2-40B4-BE49-F238E27FC236}">
-                <a16:creationId xmlns:a16="http://schemas.microsoft.com/office/drawing/2014/main" id="{3B09306A-9FDC-4CE7-BE20-CE38313CE13B}"/>
+                <a16:creationId xmlns:a16="http://schemas.microsoft.com/office/drawing/2014/main" xmlns="" id="{47E4681A-F0A0-41B8-A29F-40956C30A2AE}"/>
               </a:ext>
             </a:extLst>
           </p:cNvPr>
@@ -5043,7 +5049,7 @@
     </p:custDataLst>
     <p:extLst>
       <p:ext uri="{BB962C8B-B14F-4D97-AF65-F5344CB8AC3E}">
-        <p14:creationId xmlns:p14="http://schemas.microsoft.com/office/powerpoint/2010/main" val="4245723429"/>
+        <p14:creationId xmlns:p14="http://schemas.microsoft.com/office/powerpoint/2010/main" val="3053353190"/>
       </p:ext>
     </p:extLst>
   </p:cSld>
@@ -5072,10 +5078,10 @@
       </p:grpSpPr>
       <p:sp>
         <p:nvSpPr>
-          <p:cNvPr id="2" name="Title 1">
+          <p:cNvPr id="11" name="Title 10">
             <a:extLst>
               <a:ext uri="{FF2B5EF4-FFF2-40B4-BE49-F238E27FC236}">
-                <a16:creationId xmlns:a16="http://schemas.microsoft.com/office/drawing/2014/main" id="{25585BDC-DDED-4072-8A71-1B4183A6BACD}"/>
+                <a16:creationId xmlns:a16="http://schemas.microsoft.com/office/drawing/2014/main" xmlns="" id="{1F52A716-5142-4987-84C0-078D1007C406}"/>
               </a:ext>
             </a:extLst>
           </p:cNvPr>
@@ -5091,19 +5097,16 @@
           <a:bodyPr/>
           <a:lstStyle/>
           <a:p>
-            <a:r>
-              <a:rPr lang="en-US" dirty="0"/>
-              <a:t>Course Prerequisites: Cybersecurity Fundamentals</a:t>
-            </a:r>
-          </a:p>
-        </p:txBody>
-      </p:sp>
-      <p:sp>
-        <p:nvSpPr>
-          <p:cNvPr id="3" name="Content Placeholder 2">
+            <a:endParaRPr lang="en-US" dirty="0"/>
+          </a:p>
+        </p:txBody>
+      </p:sp>
+      <p:sp>
+        <p:nvSpPr>
+          <p:cNvPr id="7" name="Slide Number Placeholder 6">
             <a:extLst>
               <a:ext uri="{FF2B5EF4-FFF2-40B4-BE49-F238E27FC236}">
-                <a16:creationId xmlns:a16="http://schemas.microsoft.com/office/drawing/2014/main" id="{93880142-08AE-4B26-8DF5-F9963BEF4C7D}"/>
+                <a16:creationId xmlns:a16="http://schemas.microsoft.com/office/drawing/2014/main" xmlns="" id="{27B55DC7-B95B-4807-B808-1E7A81E0F45A}"/>
               </a:ext>
             </a:extLst>
           </p:cNvPr>
@@ -5111,197 +5114,6 @@
             <a:spLocks noGrp="1"/>
           </p:cNvSpPr>
           <p:nvPr>
-            <p:ph idx="1"/>
-          </p:nvPr>
-        </p:nvSpPr>
-        <p:spPr/>
-        <p:txBody>
-          <a:bodyPr/>
-          <a:lstStyle/>
-          <a:p>
-            <a:r>
-              <a:rPr lang="en-US" dirty="0"/>
-              <a:t>Students should be familiar with:</a:t>
-            </a:r>
-          </a:p>
-          <a:p>
-            <a:pPr lvl="1"/>
-            <a:r>
-              <a:rPr lang="en-US" dirty="0" err="1"/>
-              <a:t>McCumber</a:t>
-            </a:r>
-            <a:r>
-              <a:rPr lang="en-US" dirty="0"/>
-              <a:t> Cube model of cybersecurity</a:t>
-            </a:r>
-          </a:p>
-          <a:p>
-            <a:pPr lvl="1"/>
-            <a:r>
-              <a:rPr lang="en-US" dirty="0"/>
-              <a:t>Cybersecurity goals (the CIA triad): </a:t>
-            </a:r>
-          </a:p>
-          <a:p>
-            <a:pPr lvl="2"/>
-            <a:r>
-              <a:rPr lang="en-US" dirty="0"/>
-              <a:t>Confidentiality, Integrity and Availability</a:t>
-            </a:r>
-          </a:p>
-          <a:p>
-            <a:pPr lvl="1"/>
-            <a:r>
-              <a:rPr lang="en-US" dirty="0"/>
-              <a:t>Differences between</a:t>
-            </a:r>
-          </a:p>
-          <a:p>
-            <a:pPr lvl="2"/>
-            <a:r>
-              <a:rPr lang="en-US" dirty="0"/>
-              <a:t>Vulnerabilities, threats and attacks</a:t>
-            </a:r>
-          </a:p>
-          <a:p>
-            <a:pPr lvl="2"/>
-            <a:r>
-              <a:rPr lang="en-US" dirty="0"/>
-              <a:t>Cybersecurity policy and mechanism</a:t>
-            </a:r>
-          </a:p>
-          <a:p>
-            <a:pPr lvl="1"/>
-            <a:r>
-              <a:rPr lang="en-US" dirty="0" err="1"/>
-              <a:t>Saltzer</a:t>
-            </a:r>
-            <a:r>
-              <a:rPr lang="en-US" dirty="0"/>
-              <a:t> and Schroeder principles</a:t>
-            </a:r>
-          </a:p>
-          <a:p>
-            <a:pPr lvl="1"/>
-            <a:r>
-              <a:rPr lang="en-US" dirty="0"/>
-              <a:t>Anderson report</a:t>
-            </a:r>
-          </a:p>
-          <a:p>
-            <a:pPr marL="342900" lvl="1" indent="0">
-              <a:buNone/>
-            </a:pPr>
-            <a:endParaRPr lang="en-US" dirty="0"/>
-          </a:p>
-        </p:txBody>
-      </p:sp>
-      <p:sp>
-        <p:nvSpPr>
-          <p:cNvPr id="4" name="Slide Number Placeholder 3">
-            <a:extLst>
-              <a:ext uri="{FF2B5EF4-FFF2-40B4-BE49-F238E27FC236}">
-                <a16:creationId xmlns:a16="http://schemas.microsoft.com/office/drawing/2014/main" id="{47E4681A-F0A0-41B8-A29F-40956C30A2AE}"/>
-              </a:ext>
-            </a:extLst>
-          </p:cNvPr>
-          <p:cNvSpPr>
-            <a:spLocks noGrp="1"/>
-          </p:cNvSpPr>
-          <p:nvPr>
-            <p:ph type="sldNum" sz="quarter" idx="10"/>
-          </p:nvPr>
-        </p:nvSpPr>
-        <p:spPr/>
-        <p:txBody>
-          <a:bodyPr/>
-          <a:lstStyle/>
-          <a:p>
-            <a:pPr>
-              <a:defRPr/>
-            </a:pPr>
-            <a:fld id="{A722859C-89A0-4C1D-B3B9-DD0F9998A67A}" type="slidenum">
-              <a:rPr lang="en-US" smtClean="0"/>
-              <a:pPr>
-                <a:defRPr/>
-              </a:pPr>
-              <a:t>12</a:t>
-            </a:fld>
-            <a:endParaRPr lang="en-US" dirty="0"/>
-          </a:p>
-        </p:txBody>
-      </p:sp>
-    </p:spTree>
-    <p:custDataLst>
-      <p:tags r:id="rId1"/>
-    </p:custDataLst>
-    <p:extLst>
-      <p:ext uri="{BB962C8B-B14F-4D97-AF65-F5344CB8AC3E}">
-        <p14:creationId xmlns:p14="http://schemas.microsoft.com/office/powerpoint/2010/main" val="3053353190"/>
-      </p:ext>
-    </p:extLst>
-  </p:cSld>
-  <p:clrMapOvr>
-    <a:masterClrMapping/>
-  </p:clrMapOvr>
-</p:sld>
-</file>
-
-<file path=ppt/slides/slide13.xml><?xml version="1.0" encoding="utf-8"?>
-<p:sld xmlns:a="http://schemas.openxmlformats.org/drawingml/2006/main" xmlns:r="http://schemas.openxmlformats.org/officeDocument/2006/relationships" xmlns:p="http://schemas.openxmlformats.org/presentationml/2006/main">
-  <p:cSld>
-    <p:spTree>
-      <p:nvGrpSpPr>
-        <p:cNvPr id="1" name=""/>
-        <p:cNvGrpSpPr/>
-        <p:nvPr/>
-      </p:nvGrpSpPr>
-      <p:grpSpPr>
-        <a:xfrm>
-          <a:off x="0" y="0"/>
-          <a:ext cx="0" cy="0"/>
-          <a:chOff x="0" y="0"/>
-          <a:chExt cx="0" cy="0"/>
-        </a:xfrm>
-      </p:grpSpPr>
-      <p:sp>
-        <p:nvSpPr>
-          <p:cNvPr id="11" name="Title 10">
-            <a:extLst>
-              <a:ext uri="{FF2B5EF4-FFF2-40B4-BE49-F238E27FC236}">
-                <a16:creationId xmlns:a16="http://schemas.microsoft.com/office/drawing/2014/main" id="{1F52A716-5142-4987-84C0-078D1007C406}"/>
-              </a:ext>
-            </a:extLst>
-          </p:cNvPr>
-          <p:cNvSpPr>
-            <a:spLocks noGrp="1"/>
-          </p:cNvSpPr>
-          <p:nvPr>
-            <p:ph type="title"/>
-          </p:nvPr>
-        </p:nvSpPr>
-        <p:spPr/>
-        <p:txBody>
-          <a:bodyPr/>
-          <a:lstStyle/>
-          <a:p>
-            <a:endParaRPr lang="en-US" dirty="0"/>
-          </a:p>
-        </p:txBody>
-      </p:sp>
-      <p:sp>
-        <p:nvSpPr>
-          <p:cNvPr id="7" name="Slide Number Placeholder 6">
-            <a:extLst>
-              <a:ext uri="{FF2B5EF4-FFF2-40B4-BE49-F238E27FC236}">
-                <a16:creationId xmlns:a16="http://schemas.microsoft.com/office/drawing/2014/main" id="{27B55DC7-B95B-4807-B808-1E7A81E0F45A}"/>
-              </a:ext>
-            </a:extLst>
-          </p:cNvPr>
-          <p:cNvSpPr>
-            <a:spLocks noGrp="1"/>
-          </p:cNvSpPr>
-          <p:nvPr>
             <p:ph type="sldNum" sz="quarter" idx="10"/>
           </p:nvPr>
         </p:nvSpPr>
@@ -5313,7 +5125,7 @@
             <a:fld id="{FB267019-40B7-405C-98B7-75F3216AFF79}" type="slidenum">
               <a:rPr lang="en-US" smtClean="0"/>
               <a:pPr/>
-              <a:t>13</a:t>
+              <a:t>12</a:t>
             </a:fld>
             <a:endParaRPr lang="en-US" dirty="0"/>
           </a:p>
@@ -5354,9 +5166,9 @@
       </p:grpSpPr>
       <p:sp>
         <p:nvSpPr>
-          <p:cNvPr id="3074" name="Rectangle 2"/>
-          <p:cNvSpPr>
-            <a:spLocks noGrp="1" noChangeArrowheads="1"/>
+          <p:cNvPr id="14337" name="Title 1"/>
+          <p:cNvSpPr>
+            <a:spLocks noGrp="1"/>
           </p:cNvSpPr>
           <p:nvPr>
             <p:ph type="title"/>
@@ -5369,16 +5181,16 @@
           <a:p>
             <a:r>
               <a:rPr lang="en-US" dirty="0"/>
-              <a:t>CS 438/538 Network Security</a:t>
-            </a:r>
-          </a:p>
-        </p:txBody>
-      </p:sp>
-      <p:sp>
-        <p:nvSpPr>
-          <p:cNvPr id="9218" name="Rectangle 3"/>
-          <p:cNvSpPr>
-            <a:spLocks noGrp="1" noChangeArrowheads="1"/>
+              <a:t>Learning Outcomes</a:t>
+            </a:r>
+          </a:p>
+        </p:txBody>
+      </p:sp>
+      <p:sp>
+        <p:nvSpPr>
+          <p:cNvPr id="14338" name="Content Placeholder 2"/>
+          <p:cNvSpPr>
+            <a:spLocks noGrp="1"/>
           </p:cNvSpPr>
           <p:nvPr>
             <p:ph idx="1"/>
@@ -5391,105 +5203,61 @@
           <a:p>
             <a:r>
               <a:rPr lang="en-US" dirty="0"/>
-              <a:t>Course Overview</a:t>
+              <a:t>Upon completion of this lesson, students will be able to</a:t>
             </a:r>
           </a:p>
           <a:p>
             <a:pPr lvl="1"/>
             <a:r>
               <a:rPr lang="en-US" dirty="0"/>
-              <a:t>Instructor: </a:t>
+              <a:t>state the course requirements.</a:t>
+            </a:r>
+          </a:p>
+          <a:p>
+            <a:pPr lvl="1"/>
+            <a:r>
+              <a:rPr lang="en-US" dirty="0"/>
+              <a:t>explain terminology and concepts of the course prerequisite material</a:t>
             </a:r>
           </a:p>
           <a:p>
             <a:pPr lvl="2"/>
             <a:r>
               <a:rPr lang="en-US" dirty="0"/>
-              <a:t>Jim Alves-Foss </a:t>
+              <a:t>Data Representations</a:t>
             </a:r>
           </a:p>
           <a:p>
             <a:pPr lvl="2"/>
             <a:r>
               <a:rPr lang="en-US" dirty="0"/>
-              <a:t>Office Hours  T/Th 1:30 – 3:00 PST, or by appointment</a:t>
+              <a:t>Cyber Security Fundamentals</a:t>
             </a:r>
           </a:p>
           <a:p>
             <a:pPr lvl="2"/>
             <a:r>
               <a:rPr lang="en-US" dirty="0"/>
-              <a:t>jimaf@uidaho.edu, (208) 885-5196</a:t>
-            </a:r>
-          </a:p>
-          <a:p>
-            <a:pPr lvl="1"/>
-            <a:r>
-              <a:rPr lang="en-US" dirty="0"/>
-              <a:t>Grading: </a:t>
-            </a:r>
-          </a:p>
-          <a:p>
-            <a:pPr lvl="2"/>
-            <a:r>
-              <a:rPr lang="en-US" dirty="0"/>
-              <a:t>Written Homework 20pts</a:t>
-            </a:r>
-          </a:p>
-          <a:p>
-            <a:pPr lvl="2"/>
-            <a:r>
-              <a:rPr lang="en-US" dirty="0"/>
-              <a:t>Lab Exercises 20pts</a:t>
-            </a:r>
-          </a:p>
-          <a:p>
-            <a:pPr lvl="2"/>
-            <a:r>
-              <a:rPr lang="en-US" dirty="0"/>
-              <a:t>In Class Participation 10pts</a:t>
-            </a:r>
-          </a:p>
-          <a:p>
-            <a:pPr lvl="2"/>
-            <a:r>
-              <a:rPr lang="en-US" dirty="0"/>
-              <a:t>Two Exams </a:t>
-            </a:r>
-          </a:p>
-          <a:p>
-            <a:pPr lvl="3"/>
-            <a:r>
-              <a:rPr lang="en-US" dirty="0"/>
-              <a:t>Midterm 20pts (Oct 9)</a:t>
-            </a:r>
-          </a:p>
-          <a:p>
-            <a:pPr lvl="3"/>
-            <a:r>
-              <a:rPr lang="en-US" dirty="0"/>
-              <a:t>Final 30pts (10am – 12 noon Dec 12)</a:t>
-            </a:r>
-          </a:p>
-          <a:p>
-            <a:pPr lvl="2"/>
-            <a:r>
-              <a:rPr lang="en-US" dirty="0"/>
-              <a:t>CS 538 Only</a:t>
-            </a:r>
-          </a:p>
-          <a:p>
-            <a:pPr lvl="3"/>
-            <a:r>
-              <a:rPr lang="en-US" dirty="0"/>
-              <a:t>Term paper/project 20pts</a:t>
-            </a:r>
-          </a:p>
-        </p:txBody>
-      </p:sp>
-      <p:sp>
-        <p:nvSpPr>
-          <p:cNvPr id="9221" name="Slide Number Placeholder 4"/>
+              <a:t>IT Fundamentals </a:t>
+            </a:r>
+          </a:p>
+          <a:p>
+            <a:pPr marL="342900" lvl="1" indent="0">
+              <a:buNone/>
+            </a:pPr>
+            <a:endParaRPr lang="en-US" dirty="0"/>
+          </a:p>
+        </p:txBody>
+      </p:sp>
+      <p:sp>
+        <p:nvSpPr>
+          <p:cNvPr id="3" name="Slide Number Placeholder 2">
+            <a:extLst>
+              <a:ext uri="{FF2B5EF4-FFF2-40B4-BE49-F238E27FC236}">
+                <a16:creationId xmlns:a16="http://schemas.microsoft.com/office/drawing/2014/main" xmlns="" id="{0B1163B0-19D9-4859-8B88-CD4B646011C3}"/>
+              </a:ext>
+            </a:extLst>
+          </p:cNvPr>
           <p:cNvSpPr>
             <a:spLocks noGrp="1"/>
           </p:cNvSpPr>
@@ -5502,12 +5270,12 @@
           <a:bodyPr/>
           <a:lstStyle/>
           <a:p>
-            <a:fld id="{A44DA58C-6237-42DC-8284-72A2A8BFA1B0}" type="slidenum">
+            <a:fld id="{A722859C-89A0-4C1D-B3B9-DD0F9998A67A}" type="slidenum">
               <a:rPr lang="en-US" smtClean="0"/>
               <a:pPr/>
               <a:t>2</a:t>
             </a:fld>
-            <a:endParaRPr lang="en-US"/>
+            <a:endParaRPr lang="en-US" dirty="0"/>
           </a:p>
         </p:txBody>
       </p:sp>
@@ -5515,16 +5283,10 @@
     <p:custDataLst>
       <p:tags r:id="rId1"/>
     </p:custDataLst>
-    <p:extLst>
-      <p:ext uri="{BB962C8B-B14F-4D97-AF65-F5344CB8AC3E}">
-        <p14:creationId xmlns:p14="http://schemas.microsoft.com/office/powerpoint/2010/main" val="365748194"/>
-      </p:ext>
-    </p:extLst>
   </p:cSld>
   <p:clrMapOvr>
     <a:masterClrMapping/>
   </p:clrMapOvr>
-  <p:transition/>
 </p:sld>
 </file>
 
@@ -5547,9 +5309,9 @@
       </p:grpSpPr>
       <p:sp>
         <p:nvSpPr>
-          <p:cNvPr id="14337" name="Title 1"/>
-          <p:cNvSpPr>
-            <a:spLocks noGrp="1"/>
+          <p:cNvPr id="4098" name="Rectangle 2"/>
+          <p:cNvSpPr>
+            <a:spLocks noGrp="1" noChangeArrowheads="1"/>
           </p:cNvSpPr>
           <p:nvPr>
             <p:ph type="title"/>
@@ -5562,16 +5324,16 @@
           <a:p>
             <a:r>
               <a:rPr lang="en-US" dirty="0"/>
-              <a:t>Learning Outcomes</a:t>
-            </a:r>
-          </a:p>
-        </p:txBody>
-      </p:sp>
-      <p:sp>
-        <p:nvSpPr>
-          <p:cNvPr id="14338" name="Content Placeholder 2"/>
-          <p:cNvSpPr>
-            <a:spLocks noGrp="1"/>
+              <a:t>Introduction (part 1)</a:t>
+            </a:r>
+          </a:p>
+        </p:txBody>
+      </p:sp>
+      <p:sp>
+        <p:nvSpPr>
+          <p:cNvPr id="4099" name="Rectangle 3"/>
+          <p:cNvSpPr>
+            <a:spLocks noGrp="1" noChangeArrowheads="1"/>
           </p:cNvSpPr>
           <p:nvPr>
             <p:ph idx="1"/>
@@ -5584,42 +5346,28 @@
           <a:p>
             <a:r>
               <a:rPr lang="en-US" dirty="0"/>
-              <a:t>Upon completion of this lesson, students will be able to</a:t>
+              <a:t>Syllabus and scope of the course</a:t>
             </a:r>
           </a:p>
           <a:p>
             <a:pPr lvl="1"/>
             <a:r>
               <a:rPr lang="en-US" dirty="0"/>
-              <a:t>state the course requirements.</a:t>
+              <a:t>There is no text book, rather there will be selected reference material provided throughout the semester.</a:t>
             </a:r>
           </a:p>
           <a:p>
             <a:pPr lvl="1"/>
             <a:r>
               <a:rPr lang="en-US" dirty="0"/>
-              <a:t>explain terminology and concepts of the course prerequisite material</a:t>
-            </a:r>
-          </a:p>
-          <a:p>
-            <a:pPr lvl="2"/>
-            <a:r>
-              <a:rPr lang="en-US" dirty="0"/>
-              <a:t>Data Representations</a:t>
-            </a:r>
-          </a:p>
-          <a:p>
-            <a:pPr lvl="2"/>
-            <a:r>
-              <a:rPr lang="en-US" dirty="0"/>
-              <a:t>Cyber Security Fundamentals</a:t>
-            </a:r>
-          </a:p>
-          <a:p>
-            <a:pPr lvl="2"/>
-            <a:r>
-              <a:rPr lang="en-US" dirty="0"/>
-              <a:t>IT Fundamentals </a:t>
+              <a:t>Students will be expected to view select course lectures and review materials before each class meeting. This will allow for active, in-class discussions and course work.</a:t>
+            </a:r>
+          </a:p>
+          <a:p>
+            <a:pPr lvl="1"/>
+            <a:r>
+              <a:rPr lang="en-US" dirty="0"/>
+              <a:t>I understand that this may seem like a lot of reading and out of class work, it is.</a:t>
             </a:r>
           </a:p>
           <a:p>
@@ -5628,17 +5376,18 @@
             </a:pPr>
             <a:endParaRPr lang="en-US" dirty="0"/>
           </a:p>
-        </p:txBody>
-      </p:sp>
-      <p:sp>
-        <p:nvSpPr>
-          <p:cNvPr id="3" name="Slide Number Placeholder 2">
-            <a:extLst>
-              <a:ext uri="{FF2B5EF4-FFF2-40B4-BE49-F238E27FC236}">
-                <a16:creationId xmlns:a16="http://schemas.microsoft.com/office/drawing/2014/main" id="{0B1163B0-19D9-4859-8B88-CD4B646011C3}"/>
-              </a:ext>
-            </a:extLst>
-          </p:cNvPr>
+          <a:p>
+            <a:pPr lvl="1"/>
+            <a:r>
+              <a:rPr lang="en-US" dirty="0"/>
+              <a:t>The intent of the course is to introduce you to the concepts, terminology, and approaches used network security. There is a lot to cover in one semester.</a:t>
+            </a:r>
+          </a:p>
+        </p:txBody>
+      </p:sp>
+      <p:sp>
+        <p:nvSpPr>
+          <p:cNvPr id="10244" name="Slide Number Placeholder 4"/>
           <p:cNvSpPr>
             <a:spLocks noGrp="1"/>
           </p:cNvSpPr>
@@ -5651,12 +5400,12 @@
           <a:bodyPr/>
           <a:lstStyle/>
           <a:p>
-            <a:fld id="{A722859C-89A0-4C1D-B3B9-DD0F9998A67A}" type="slidenum">
+            <a:fld id="{40DBA0B7-A652-4152-B070-592481CF9D0D}" type="slidenum">
               <a:rPr lang="en-US" smtClean="0"/>
               <a:pPr/>
               <a:t>3</a:t>
             </a:fld>
-            <a:endParaRPr lang="en-US" dirty="0"/>
+            <a:endParaRPr lang="en-US"/>
           </a:p>
         </p:txBody>
       </p:sp>
@@ -5664,10 +5413,16 @@
     <p:custDataLst>
       <p:tags r:id="rId1"/>
     </p:custDataLst>
+    <p:extLst>
+      <p:ext uri="{BB962C8B-B14F-4D97-AF65-F5344CB8AC3E}">
+        <p14:creationId xmlns:p14="http://schemas.microsoft.com/office/powerpoint/2010/main" val="8370447"/>
+      </p:ext>
+    </p:extLst>
   </p:cSld>
   <p:clrMapOvr>
     <a:masterClrMapping/>
   </p:clrMapOvr>
+  <p:transition/>
 </p:sld>
 </file>
 
@@ -5690,9 +5445,15 @@
       </p:grpSpPr>
       <p:sp>
         <p:nvSpPr>
-          <p:cNvPr id="4098" name="Rectangle 2"/>
-          <p:cNvSpPr>
-            <a:spLocks noGrp="1" noChangeArrowheads="1"/>
+          <p:cNvPr id="2" name="Title 1">
+            <a:extLst>
+              <a:ext uri="{FF2B5EF4-FFF2-40B4-BE49-F238E27FC236}">
+                <a16:creationId xmlns:a16="http://schemas.microsoft.com/office/drawing/2014/main" xmlns="" id="{3235840D-4F3D-4147-A733-D39830B9425C}"/>
+              </a:ext>
+            </a:extLst>
+          </p:cNvPr>
+          <p:cNvSpPr>
+            <a:spLocks noGrp="1"/>
           </p:cNvSpPr>
           <p:nvPr>
             <p:ph type="title"/>
@@ -5705,16 +5466,22 @@
           <a:p>
             <a:r>
               <a:rPr lang="en-US" dirty="0"/>
-              <a:t>Introduction (part 1)</a:t>
-            </a:r>
-          </a:p>
-        </p:txBody>
-      </p:sp>
-      <p:sp>
-        <p:nvSpPr>
-          <p:cNvPr id="4099" name="Rectangle 3"/>
-          <p:cNvSpPr>
-            <a:spLocks noGrp="1" noChangeArrowheads="1"/>
+              <a:t>Introduction (part 2)</a:t>
+            </a:r>
+          </a:p>
+        </p:txBody>
+      </p:sp>
+      <p:sp>
+        <p:nvSpPr>
+          <p:cNvPr id="3" name="Content Placeholder 2">
+            <a:extLst>
+              <a:ext uri="{FF2B5EF4-FFF2-40B4-BE49-F238E27FC236}">
+                <a16:creationId xmlns:a16="http://schemas.microsoft.com/office/drawing/2014/main" xmlns="" id="{493C372F-8ABA-45AE-AF87-9DD86459CA8E}"/>
+              </a:ext>
+            </a:extLst>
+          </p:cNvPr>
+          <p:cNvSpPr>
+            <a:spLocks noGrp="1"/>
           </p:cNvSpPr>
           <p:nvPr>
             <p:ph idx="1"/>
@@ -5727,48 +5494,51 @@
           <a:p>
             <a:r>
               <a:rPr lang="en-US" dirty="0"/>
-              <a:t>Syllabus and scope of the course</a:t>
+              <a:t>I expect you to walk away from this class with a familiarity with a wide variety of concepts and detailed knowledge of some of them. In the future you should be able to use this knowledge to:</a:t>
             </a:r>
           </a:p>
           <a:p>
             <a:pPr lvl="1"/>
             <a:r>
               <a:rPr lang="en-US" dirty="0"/>
-              <a:t>There is no text book, rather there will be selected reference material provided throughout the semester.</a:t>
+              <a:t>make intelligent decisions about secure network use, design and management,</a:t>
             </a:r>
           </a:p>
           <a:p>
             <a:pPr lvl="1"/>
             <a:r>
               <a:rPr lang="en-US" dirty="0"/>
-              <a:t>Students will be expected to view select course lectures and review materials before each class meeting. This will allow for active, in-class discussions and course work.</a:t>
+              <a:t>be able to pick up and learn details of a particular system as you need it</a:t>
             </a:r>
           </a:p>
           <a:p>
             <a:pPr lvl="1"/>
             <a:r>
               <a:rPr lang="en-US" dirty="0"/>
-              <a:t>I understand that this may seem like a lot of reading and out of class work, it is.</a:t>
-            </a:r>
-          </a:p>
-          <a:p>
-            <a:pPr marL="342900" lvl="1" indent="0">
-              <a:buNone/>
-            </a:pPr>
+              <a:t>be able to quickly find network security component descriptions and problem solutions/discussions </a:t>
+            </a:r>
+          </a:p>
+          <a:p>
+            <a:pPr lvl="1"/>
+            <a:r>
+              <a:rPr lang="en-US" dirty="0"/>
+              <a:t>be able to discuss network security issues with supervisors and coworkers on the job</a:t>
+            </a:r>
+          </a:p>
+          <a:p>
             <a:endParaRPr lang="en-US" dirty="0"/>
           </a:p>
-          <a:p>
-            <a:pPr lvl="1"/>
-            <a:r>
-              <a:rPr lang="en-US" dirty="0"/>
-              <a:t>The intent of the course is to introduce you to the concepts, terminology, and approaches used network security. There is a lot to cover in one semester.</a:t>
-            </a:r>
-          </a:p>
-        </p:txBody>
-      </p:sp>
-      <p:sp>
-        <p:nvSpPr>
-          <p:cNvPr id="10244" name="Slide Number Placeholder 4"/>
+        </p:txBody>
+      </p:sp>
+      <p:sp>
+        <p:nvSpPr>
+          <p:cNvPr id="4" name="Slide Number Placeholder 3">
+            <a:extLst>
+              <a:ext uri="{FF2B5EF4-FFF2-40B4-BE49-F238E27FC236}">
+                <a16:creationId xmlns:a16="http://schemas.microsoft.com/office/drawing/2014/main" xmlns="" id="{5BBBB4D4-D451-4001-AE92-8D1309D0A9A7}"/>
+              </a:ext>
+            </a:extLst>
+          </p:cNvPr>
           <p:cNvSpPr>
             <a:spLocks noGrp="1"/>
           </p:cNvSpPr>
@@ -5781,12 +5551,12 @@
           <a:bodyPr/>
           <a:lstStyle/>
           <a:p>
-            <a:fld id="{40DBA0B7-A652-4152-B070-592481CF9D0D}" type="slidenum">
+            <a:fld id="{A722859C-89A0-4C1D-B3B9-DD0F9998A67A}" type="slidenum">
               <a:rPr lang="en-US" smtClean="0"/>
               <a:pPr/>
               <a:t>4</a:t>
             </a:fld>
-            <a:endParaRPr lang="en-US"/>
+            <a:endParaRPr lang="en-US" dirty="0"/>
           </a:p>
         </p:txBody>
       </p:sp>
@@ -5796,14 +5566,13 @@
     </p:custDataLst>
     <p:extLst>
       <p:ext uri="{BB962C8B-B14F-4D97-AF65-F5344CB8AC3E}">
-        <p14:creationId xmlns:p14="http://schemas.microsoft.com/office/powerpoint/2010/main" val="8370447"/>
+        <p14:creationId xmlns:p14="http://schemas.microsoft.com/office/powerpoint/2010/main" val="1010726037"/>
       </p:ext>
     </p:extLst>
   </p:cSld>
   <p:clrMapOvr>
     <a:masterClrMapping/>
   </p:clrMapOvr>
-  <p:transition/>
 </p:sld>
 </file>
 
@@ -5826,13 +5595,7 @@
       </p:grpSpPr>
       <p:sp>
         <p:nvSpPr>
-          <p:cNvPr id="2" name="Title 1">
-            <a:extLst>
-              <a:ext uri="{FF2B5EF4-FFF2-40B4-BE49-F238E27FC236}">
-                <a16:creationId xmlns:a16="http://schemas.microsoft.com/office/drawing/2014/main" id="{3235840D-4F3D-4147-A733-D39830B9425C}"/>
-              </a:ext>
-            </a:extLst>
-          </p:cNvPr>
+          <p:cNvPr id="2" name="Title 1"/>
           <p:cNvSpPr>
             <a:spLocks noGrp="1"/>
           </p:cNvSpPr>
@@ -5846,21 +5609,16 @@
           <a:lstStyle/>
           <a:p>
             <a:r>
-              <a:rPr lang="en-US" dirty="0"/>
-              <a:t>Introduction (part 2)</a:t>
-            </a:r>
-          </a:p>
-        </p:txBody>
-      </p:sp>
-      <p:sp>
-        <p:nvSpPr>
-          <p:cNvPr id="3" name="Content Placeholder 2">
-            <a:extLst>
-              <a:ext uri="{FF2B5EF4-FFF2-40B4-BE49-F238E27FC236}">
-                <a16:creationId xmlns:a16="http://schemas.microsoft.com/office/drawing/2014/main" id="{493C372F-8ABA-45AE-AF87-9DD86459CA8E}"/>
-              </a:ext>
-            </a:extLst>
-          </p:cNvPr>
+              <a:rPr lang="en-US"/>
+              <a:t>Syllabus</a:t>
+            </a:r>
+            <a:endParaRPr lang="en-US" dirty="0"/>
+          </a:p>
+        </p:txBody>
+      </p:sp>
+      <p:sp>
+        <p:nvSpPr>
+          <p:cNvPr id="11266" name="Content Placeholder 5"/>
           <p:cNvSpPr>
             <a:spLocks noGrp="1"/>
           </p:cNvSpPr>
@@ -5875,51 +5633,26 @@
           <a:p>
             <a:r>
               <a:rPr lang="en-US" dirty="0"/>
-              <a:t>I expect you to walk away from this class with a familiarity with a wide variety of concepts and detailed knowledge of some of them. In the future you should be able to use this knowledge to:</a:t>
+              <a:t>The contents of this course are outlined in the course over view/syllabus posted on course website.</a:t>
             </a:r>
           </a:p>
           <a:p>
             <a:pPr lvl="1"/>
-            <a:r>
-              <a:rPr lang="en-US" dirty="0"/>
-              <a:t>make intelligent decisions about secure network use, design and management,</a:t>
-            </a:r>
+            <a:endParaRPr lang="en-US" dirty="0"/>
           </a:p>
           <a:p>
             <a:pPr lvl="1"/>
-            <a:r>
-              <a:rPr lang="en-US" dirty="0"/>
-              <a:t>be able to pick up and learn details of a particular system as you need it</a:t>
-            </a:r>
+            <a:endParaRPr lang="en-US" dirty="0"/>
           </a:p>
           <a:p>
             <a:pPr lvl="1"/>
-            <a:r>
-              <a:rPr lang="en-US" dirty="0"/>
-              <a:t>be able to quickly find network security component descriptions and problem solutions/discussions </a:t>
-            </a:r>
-          </a:p>
-          <a:p>
-            <a:pPr lvl="1"/>
-            <a:r>
-              <a:rPr lang="en-US" dirty="0"/>
-              <a:t>be able to discuss network security issues with supervisors and coworkers on the job</a:t>
-            </a:r>
-          </a:p>
-          <a:p>
             <a:endParaRPr lang="en-US" dirty="0"/>
           </a:p>
         </p:txBody>
       </p:sp>
       <p:sp>
         <p:nvSpPr>
-          <p:cNvPr id="4" name="Slide Number Placeholder 3">
-            <a:extLst>
-              <a:ext uri="{FF2B5EF4-FFF2-40B4-BE49-F238E27FC236}">
-                <a16:creationId xmlns:a16="http://schemas.microsoft.com/office/drawing/2014/main" id="{5BBBB4D4-D451-4001-AE92-8D1309D0A9A7}"/>
-              </a:ext>
-            </a:extLst>
-          </p:cNvPr>
+          <p:cNvPr id="11270" name="Slide Number Placeholder 4"/>
           <p:cNvSpPr>
             <a:spLocks noGrp="1"/>
           </p:cNvSpPr>
@@ -5932,124 +5665,10 @@
           <a:bodyPr/>
           <a:lstStyle/>
           <a:p>
-            <a:fld id="{A722859C-89A0-4C1D-B3B9-DD0F9998A67A}" type="slidenum">
+            <a:fld id="{29C032C2-7321-4B33-9397-05E931EC91E2}" type="slidenum">
               <a:rPr lang="en-US" smtClean="0"/>
               <a:pPr/>
               <a:t>5</a:t>
-            </a:fld>
-            <a:endParaRPr lang="en-US" dirty="0"/>
-          </a:p>
-        </p:txBody>
-      </p:sp>
-    </p:spTree>
-    <p:custDataLst>
-      <p:tags r:id="rId1"/>
-    </p:custDataLst>
-    <p:extLst>
-      <p:ext uri="{BB962C8B-B14F-4D97-AF65-F5344CB8AC3E}">
-        <p14:creationId xmlns:p14="http://schemas.microsoft.com/office/powerpoint/2010/main" val="1010726037"/>
-      </p:ext>
-    </p:extLst>
-  </p:cSld>
-  <p:clrMapOvr>
-    <a:masterClrMapping/>
-  </p:clrMapOvr>
-</p:sld>
-</file>
-
-<file path=ppt/slides/slide6.xml><?xml version="1.0" encoding="utf-8"?>
-<p:sld xmlns:a="http://schemas.openxmlformats.org/drawingml/2006/main" xmlns:r="http://schemas.openxmlformats.org/officeDocument/2006/relationships" xmlns:p="http://schemas.openxmlformats.org/presentationml/2006/main">
-  <p:cSld>
-    <p:spTree>
-      <p:nvGrpSpPr>
-        <p:cNvPr id="1" name=""/>
-        <p:cNvGrpSpPr/>
-        <p:nvPr/>
-      </p:nvGrpSpPr>
-      <p:grpSpPr>
-        <a:xfrm>
-          <a:off x="0" y="0"/>
-          <a:ext cx="0" cy="0"/>
-          <a:chOff x="0" y="0"/>
-          <a:chExt cx="0" cy="0"/>
-        </a:xfrm>
-      </p:grpSpPr>
-      <p:sp>
-        <p:nvSpPr>
-          <p:cNvPr id="2" name="Title 1"/>
-          <p:cNvSpPr>
-            <a:spLocks noGrp="1"/>
-          </p:cNvSpPr>
-          <p:nvPr>
-            <p:ph type="title"/>
-          </p:nvPr>
-        </p:nvSpPr>
-        <p:spPr/>
-        <p:txBody>
-          <a:bodyPr/>
-          <a:lstStyle/>
-          <a:p>
-            <a:r>
-              <a:rPr lang="en-US"/>
-              <a:t>Syllabus</a:t>
-            </a:r>
-            <a:endParaRPr lang="en-US" dirty="0"/>
-          </a:p>
-        </p:txBody>
-      </p:sp>
-      <p:sp>
-        <p:nvSpPr>
-          <p:cNvPr id="11266" name="Content Placeholder 5"/>
-          <p:cNvSpPr>
-            <a:spLocks noGrp="1"/>
-          </p:cNvSpPr>
-          <p:nvPr>
-            <p:ph idx="1"/>
-          </p:nvPr>
-        </p:nvSpPr>
-        <p:spPr/>
-        <p:txBody>
-          <a:bodyPr/>
-          <a:lstStyle/>
-          <a:p>
-            <a:r>
-              <a:rPr lang="en-US" dirty="0"/>
-              <a:t>The contents of this course are outlined in the course over view/syllabus posted on course website.</a:t>
-            </a:r>
-          </a:p>
-          <a:p>
-            <a:pPr lvl="1"/>
-            <a:endParaRPr lang="en-US" dirty="0"/>
-          </a:p>
-          <a:p>
-            <a:pPr lvl="1"/>
-            <a:endParaRPr lang="en-US" dirty="0"/>
-          </a:p>
-          <a:p>
-            <a:pPr lvl="1"/>
-            <a:endParaRPr lang="en-US" dirty="0"/>
-          </a:p>
-        </p:txBody>
-      </p:sp>
-      <p:sp>
-        <p:nvSpPr>
-          <p:cNvPr id="11270" name="Slide Number Placeholder 4"/>
-          <p:cNvSpPr>
-            <a:spLocks noGrp="1"/>
-          </p:cNvSpPr>
-          <p:nvPr>
-            <p:ph type="sldNum" sz="quarter" idx="10"/>
-          </p:nvPr>
-        </p:nvSpPr>
-        <p:spPr/>
-        <p:txBody>
-          <a:bodyPr/>
-          <a:lstStyle/>
-          <a:p>
-            <a:fld id="{29C032C2-7321-4B33-9397-05E931EC91E2}" type="slidenum">
-              <a:rPr lang="en-US" smtClean="0"/>
-              <a:pPr/>
-              <a:t>6</a:t>
             </a:fld>
             <a:endParaRPr lang="en-US" dirty="0"/>
           </a:p>
@@ -6083,14 +5702,14 @@
                 <a:gridCol w="3762375">
                   <a:extLst>
                     <a:ext uri="{9D8B030D-6E8A-4147-A177-3AD203B41FA5}">
-                      <a16:colId xmlns:a16="http://schemas.microsoft.com/office/drawing/2014/main" val="20000"/>
+                      <a16:colId xmlns:a16="http://schemas.microsoft.com/office/drawing/2014/main" xmlns="" val="20000"/>
                     </a:ext>
                   </a:extLst>
                 </a:gridCol>
                 <a:gridCol w="3762375">
                   <a:extLst>
                     <a:ext uri="{9D8B030D-6E8A-4147-A177-3AD203B41FA5}">
-                      <a16:colId xmlns:a16="http://schemas.microsoft.com/office/drawing/2014/main" val="20001"/>
+                      <a16:colId xmlns:a16="http://schemas.microsoft.com/office/drawing/2014/main" xmlns="" val="20001"/>
                     </a:ext>
                   </a:extLst>
                 </a:gridCol>
@@ -6123,7 +5742,7 @@
                 </a:tc>
                 <a:extLst>
                   <a:ext uri="{0D108BD9-81ED-4DB2-BD59-A6C34878D82A}">
-                    <a16:rowId xmlns:a16="http://schemas.microsoft.com/office/drawing/2014/main" val="10000"/>
+                    <a16:rowId xmlns:a16="http://schemas.microsoft.com/office/drawing/2014/main" xmlns="" val="10000"/>
                   </a:ext>
                 </a:extLst>
               </a:tr>
@@ -6195,7 +5814,7 @@
                 </a:tc>
                 <a:extLst>
                   <a:ext uri="{0D108BD9-81ED-4DB2-BD59-A6C34878D82A}">
-                    <a16:rowId xmlns:a16="http://schemas.microsoft.com/office/drawing/2014/main" val="10001"/>
+                    <a16:rowId xmlns:a16="http://schemas.microsoft.com/office/drawing/2014/main" xmlns="" val="10001"/>
                   </a:ext>
                 </a:extLst>
               </a:tr>
@@ -6262,7 +5881,7 @@
                 </a:tc>
                 <a:extLst>
                   <a:ext uri="{0D108BD9-81ED-4DB2-BD59-A6C34878D82A}">
-                    <a16:rowId xmlns:a16="http://schemas.microsoft.com/office/drawing/2014/main" val="10002"/>
+                    <a16:rowId xmlns:a16="http://schemas.microsoft.com/office/drawing/2014/main" xmlns="" val="10002"/>
                   </a:ext>
                 </a:extLst>
               </a:tr>
@@ -6329,7 +5948,7 @@
                 </a:tc>
                 <a:extLst>
                   <a:ext uri="{0D108BD9-81ED-4DB2-BD59-A6C34878D82A}">
-                    <a16:rowId xmlns:a16="http://schemas.microsoft.com/office/drawing/2014/main" val="10003"/>
+                    <a16:rowId xmlns:a16="http://schemas.microsoft.com/office/drawing/2014/main" xmlns="" val="10003"/>
                   </a:ext>
                 </a:extLst>
               </a:tr>
@@ -6401,7 +6020,7 @@
                 </a:tc>
                 <a:extLst>
                   <a:ext uri="{0D108BD9-81ED-4DB2-BD59-A6C34878D82A}">
-                    <a16:rowId xmlns:a16="http://schemas.microsoft.com/office/drawing/2014/main" val="10004"/>
+                    <a16:rowId xmlns:a16="http://schemas.microsoft.com/office/drawing/2014/main" xmlns="" val="10004"/>
                   </a:ext>
                 </a:extLst>
               </a:tr>
@@ -6468,7 +6087,7 @@
                 </a:tc>
                 <a:extLst>
                   <a:ext uri="{0D108BD9-81ED-4DB2-BD59-A6C34878D82A}">
-                    <a16:rowId xmlns:a16="http://schemas.microsoft.com/office/drawing/2014/main" val="10005"/>
+                    <a16:rowId xmlns:a16="http://schemas.microsoft.com/office/drawing/2014/main" xmlns="" val="10005"/>
                   </a:ext>
                 </a:extLst>
               </a:tr>
@@ -6506,7 +6125,7 @@
                 </a:tc>
                 <a:extLst>
                   <a:ext uri="{0D108BD9-81ED-4DB2-BD59-A6C34878D82A}">
-                    <a16:rowId xmlns:a16="http://schemas.microsoft.com/office/drawing/2014/main" val="10006"/>
+                    <a16:rowId xmlns:a16="http://schemas.microsoft.com/office/drawing/2014/main" xmlns="" val="10006"/>
                   </a:ext>
                 </a:extLst>
               </a:tr>
@@ -6521,6 +6140,192 @@
     <p:extLst>
       <p:ext uri="{BB962C8B-B14F-4D97-AF65-F5344CB8AC3E}">
         <p14:creationId xmlns:p14="http://schemas.microsoft.com/office/powerpoint/2010/main" val="2037673635"/>
+      </p:ext>
+    </p:extLst>
+  </p:cSld>
+  <p:clrMapOvr>
+    <a:masterClrMapping/>
+  </p:clrMapOvr>
+</p:sld>
+</file>
+
+<file path=ppt/slides/slide6.xml><?xml version="1.0" encoding="utf-8"?>
+<p:sld xmlns:a="http://schemas.openxmlformats.org/drawingml/2006/main" xmlns:r="http://schemas.openxmlformats.org/officeDocument/2006/relationships" xmlns:p="http://schemas.openxmlformats.org/presentationml/2006/main">
+  <p:cSld>
+    <p:spTree>
+      <p:nvGrpSpPr>
+        <p:cNvPr id="1" name=""/>
+        <p:cNvGrpSpPr/>
+        <p:nvPr/>
+      </p:nvGrpSpPr>
+      <p:grpSpPr>
+        <a:xfrm>
+          <a:off x="0" y="0"/>
+          <a:ext cx="0" cy="0"/>
+          <a:chOff x="0" y="0"/>
+          <a:chExt cx="0" cy="0"/>
+        </a:xfrm>
+      </p:grpSpPr>
+      <p:sp>
+        <p:nvSpPr>
+          <p:cNvPr id="2" name="Title 1">
+            <a:extLst>
+              <a:ext uri="{FF2B5EF4-FFF2-40B4-BE49-F238E27FC236}">
+                <a16:creationId xmlns:a16="http://schemas.microsoft.com/office/drawing/2014/main" xmlns="" id="{0D22A254-FB8B-4B1E-8442-009D1001790F}"/>
+              </a:ext>
+            </a:extLst>
+          </p:cNvPr>
+          <p:cNvSpPr>
+            <a:spLocks noGrp="1"/>
+          </p:cNvSpPr>
+          <p:nvPr>
+            <p:ph type="title"/>
+          </p:nvPr>
+        </p:nvSpPr>
+        <p:spPr/>
+        <p:txBody>
+          <a:bodyPr/>
+          <a:lstStyle/>
+          <a:p>
+            <a:r>
+              <a:rPr lang="en-US" dirty="0"/>
+              <a:t>Course Learning Outcomes (page 1)</a:t>
+            </a:r>
+          </a:p>
+        </p:txBody>
+      </p:sp>
+      <p:sp>
+        <p:nvSpPr>
+          <p:cNvPr id="3" name="Content Placeholder 2">
+            <a:extLst>
+              <a:ext uri="{FF2B5EF4-FFF2-40B4-BE49-F238E27FC236}">
+                <a16:creationId xmlns:a16="http://schemas.microsoft.com/office/drawing/2014/main" xmlns="" id="{4CC4BF8E-3F45-4041-A8E1-9F9895BA99F8}"/>
+              </a:ext>
+            </a:extLst>
+          </p:cNvPr>
+          <p:cNvSpPr>
+            <a:spLocks noGrp="1"/>
+          </p:cNvSpPr>
+          <p:nvPr>
+            <p:ph idx="1"/>
+          </p:nvPr>
+        </p:nvSpPr>
+        <p:spPr/>
+        <p:txBody>
+          <a:bodyPr/>
+          <a:lstStyle/>
+          <a:p>
+            <a:pPr lvl="0"/>
+            <a:r>
+              <a:rPr lang="en-US" sz="2200" dirty="0"/>
+              <a:t>Students will be able to describe the fundamental concepts, technologies, components and issues related to communications and data networks. </a:t>
+            </a:r>
+          </a:p>
+          <a:p>
+            <a:r>
+              <a:rPr lang="en-US" sz="2200" dirty="0"/>
+              <a:t>Students will be able to describe a basic network architecture given a specific need and set of hosts/clients. </a:t>
+            </a:r>
+          </a:p>
+          <a:p>
+            <a:pPr lvl="0"/>
+            <a:r>
+              <a:rPr lang="en-US" sz="2200" dirty="0"/>
+              <a:t>Students will be able to track and identify the packets involved in a simple TCP connection (or a trace of such a connection). </a:t>
+            </a:r>
+          </a:p>
+          <a:p>
+            <a:pPr lvl="0"/>
+            <a:r>
+              <a:rPr lang="en-US" sz="2200" dirty="0"/>
+              <a:t>Students will be able to use a network monitoring tools (e.g., </a:t>
+            </a:r>
+            <a:r>
+              <a:rPr lang="en-US" sz="2200" dirty="0" err="1"/>
+              <a:t>WireShark</a:t>
+            </a:r>
+            <a:r>
+              <a:rPr lang="en-US" sz="2200" dirty="0"/>
+              <a:t>). </a:t>
+            </a:r>
+          </a:p>
+          <a:p>
+            <a:pPr lvl="0"/>
+            <a:r>
+              <a:rPr lang="en-US" sz="2200" dirty="0"/>
+              <a:t>Students will be able to use a network mapping tool (e.g., </a:t>
+            </a:r>
+            <a:r>
+              <a:rPr lang="en-US" sz="2200" dirty="0" err="1"/>
+              <a:t>Nmap</a:t>
+            </a:r>
+            <a:r>
+              <a:rPr lang="en-US" sz="2200" dirty="0"/>
+              <a:t>).</a:t>
+            </a:r>
+          </a:p>
+          <a:p>
+            <a:r>
+              <a:rPr lang="en-US" sz="2200" dirty="0"/>
+              <a:t>Students will be able to describe and discuss data network architectures and protocols.</a:t>
+            </a:r>
+          </a:p>
+          <a:p>
+            <a:pPr marL="0" lvl="0" indent="0">
+              <a:buNone/>
+            </a:pPr>
+            <a:endParaRPr lang="en-US" sz="2400" dirty="0"/>
+          </a:p>
+          <a:p>
+            <a:pPr marL="0" indent="0">
+              <a:buNone/>
+            </a:pPr>
+            <a:endParaRPr lang="en-US" dirty="0"/>
+          </a:p>
+        </p:txBody>
+      </p:sp>
+      <p:sp>
+        <p:nvSpPr>
+          <p:cNvPr id="4" name="Slide Number Placeholder 3">
+            <a:extLst>
+              <a:ext uri="{FF2B5EF4-FFF2-40B4-BE49-F238E27FC236}">
+                <a16:creationId xmlns:a16="http://schemas.microsoft.com/office/drawing/2014/main" xmlns="" id="{4A846178-05B9-4EC4-837F-87262A81F09E}"/>
+              </a:ext>
+            </a:extLst>
+          </p:cNvPr>
+          <p:cNvSpPr>
+            <a:spLocks noGrp="1"/>
+          </p:cNvSpPr>
+          <p:nvPr>
+            <p:ph type="sldNum" sz="quarter" idx="10"/>
+          </p:nvPr>
+        </p:nvSpPr>
+        <p:spPr/>
+        <p:txBody>
+          <a:bodyPr/>
+          <a:lstStyle/>
+          <a:p>
+            <a:pPr>
+              <a:defRPr/>
+            </a:pPr>
+            <a:fld id="{A722859C-89A0-4C1D-B3B9-DD0F9998A67A}" type="slidenum">
+              <a:rPr lang="en-US" smtClean="0"/>
+              <a:pPr>
+                <a:defRPr/>
+              </a:pPr>
+              <a:t>6</a:t>
+            </a:fld>
+            <a:endParaRPr lang="en-US" dirty="0"/>
+          </a:p>
+        </p:txBody>
+      </p:sp>
+    </p:spTree>
+    <p:custDataLst>
+      <p:tags r:id="rId1"/>
+    </p:custDataLst>
+    <p:extLst>
+      <p:ext uri="{BB962C8B-B14F-4D97-AF65-F5344CB8AC3E}">
+        <p14:creationId xmlns:p14="http://schemas.microsoft.com/office/powerpoint/2010/main" val="802494157"/>
       </p:ext>
     </p:extLst>
   </p:cSld>
@@ -6552,7 +6357,7 @@
           <p:cNvPr id="2" name="Title 1">
             <a:extLst>
               <a:ext uri="{FF2B5EF4-FFF2-40B4-BE49-F238E27FC236}">
-                <a16:creationId xmlns:a16="http://schemas.microsoft.com/office/drawing/2014/main" id="{0D22A254-FB8B-4B1E-8442-009D1001790F}"/>
+                <a16:creationId xmlns:a16="http://schemas.microsoft.com/office/drawing/2014/main" xmlns="" id="{D2D7E8BE-E2BF-451B-BF44-8EE1135954D8}"/>
               </a:ext>
             </a:extLst>
           </p:cNvPr>
@@ -6570,7 +6375,7 @@
           <a:p>
             <a:r>
               <a:rPr lang="en-US" dirty="0"/>
-              <a:t>Course Learning Outcomes (page 1)</a:t>
+              <a:t>Course Learning Outcomes (page 2)</a:t>
             </a:r>
           </a:p>
         </p:txBody>
@@ -6580,7 +6385,7 @@
           <p:cNvPr id="3" name="Content Placeholder 2">
             <a:extLst>
               <a:ext uri="{FF2B5EF4-FFF2-40B4-BE49-F238E27FC236}">
-                <a16:creationId xmlns:a16="http://schemas.microsoft.com/office/drawing/2014/main" id="{4CC4BF8E-3F45-4041-A8E1-9F9895BA99F8}"/>
+                <a16:creationId xmlns:a16="http://schemas.microsoft.com/office/drawing/2014/main" xmlns="" id="{990781F7-7F1B-4B6B-8074-8D327739B4A9}"/>
               </a:ext>
             </a:extLst>
           </p:cNvPr>
@@ -6599,63 +6404,43 @@
             <a:pPr lvl="0"/>
             <a:r>
               <a:rPr lang="en-US" sz="2200" dirty="0"/>
-              <a:t>Students will be able to describe the fundamental concepts, technologies, components and issues related to communications and data networks. </a:t>
-            </a:r>
-          </a:p>
-          <a:p>
+              <a:t>Students will be able to describe the various concepts in network defense. </a:t>
+            </a:r>
+          </a:p>
+          <a:p>
+            <a:pPr lvl="0"/>
             <a:r>
               <a:rPr lang="en-US" sz="2200" dirty="0"/>
-              <a:t>Students will be able to describe a basic network architecture given a specific need and set of hosts/clients. </a:t>
+              <a:t>Students will be able to apply their knowledge to implement network defense measures. </a:t>
             </a:r>
           </a:p>
           <a:p>
             <a:pPr lvl="0"/>
             <a:r>
               <a:rPr lang="en-US" sz="2200" dirty="0"/>
-              <a:t>Students will be able to track and identify the packets involved in a simple TCP connection (or a trace of such a connection). </a:t>
+              <a:t>Students will be able to identify the elements of a cryptographic system. </a:t>
             </a:r>
           </a:p>
           <a:p>
             <a:pPr lvl="0"/>
             <a:r>
               <a:rPr lang="en-US" sz="2200" dirty="0"/>
-              <a:t>Students will be able to use a network monitoring tools (e.g., </a:t>
-            </a:r>
-            <a:r>
-              <a:rPr lang="en-US" sz="2200" dirty="0" err="1"/>
-              <a:t>WireShark</a:t>
-            </a:r>
+              <a:t>Students will be able to describe the differences between symmetric and asymmetric algorithms. </a:t>
+            </a:r>
+          </a:p>
+          <a:p>
+            <a:pPr lvl="0"/>
             <a:r>
               <a:rPr lang="en-US" sz="2200" dirty="0"/>
-              <a:t>). </a:t>
+              <a:t>Students will be able to describe which cryptographic protocols, tools and techniques are appropriate for a given situation. </a:t>
             </a:r>
           </a:p>
           <a:p>
             <a:pPr lvl="0"/>
             <a:r>
               <a:rPr lang="en-US" sz="2200" dirty="0"/>
-              <a:t>Students will be able to use a network mapping tool (e.g., </a:t>
-            </a:r>
-            <a:r>
-              <a:rPr lang="en-US" sz="2200" dirty="0" err="1"/>
-              <a:t>Nmap</a:t>
-            </a:r>
-            <a:r>
-              <a:rPr lang="en-US" sz="2200" dirty="0"/>
-              <a:t>).</a:t>
-            </a:r>
-          </a:p>
-          <a:p>
-            <a:r>
-              <a:rPr lang="en-US" sz="2200" dirty="0"/>
-              <a:t>Students will be able to describe and discuss data network architectures and protocols.</a:t>
-            </a:r>
-          </a:p>
-          <a:p>
-            <a:pPr marL="0" lvl="0" indent="0">
-              <a:buNone/>
-            </a:pPr>
-            <a:endParaRPr lang="en-US" sz="2400" dirty="0"/>
+              <a:t>Students will be able to describe how crypto can be used, strengths and weaknesses, modes, and issues that have to be addressed in an implementation (e.g., key management), etc. </a:t>
+            </a:r>
           </a:p>
           <a:p>
             <a:pPr marL="0" indent="0">
@@ -6670,7 +6455,7 @@
           <p:cNvPr id="4" name="Slide Number Placeholder 3">
             <a:extLst>
               <a:ext uri="{FF2B5EF4-FFF2-40B4-BE49-F238E27FC236}">
-                <a16:creationId xmlns:a16="http://schemas.microsoft.com/office/drawing/2014/main" id="{4A846178-05B9-4EC4-837F-87262A81F09E}"/>
+                <a16:creationId xmlns:a16="http://schemas.microsoft.com/office/drawing/2014/main" xmlns="" id="{775F373E-ADC9-4174-B28D-90C645AA5EB2}"/>
               </a:ext>
             </a:extLst>
           </p:cNvPr>
@@ -6706,7 +6491,7 @@
     </p:custDataLst>
     <p:extLst>
       <p:ext uri="{BB962C8B-B14F-4D97-AF65-F5344CB8AC3E}">
-        <p14:creationId xmlns:p14="http://schemas.microsoft.com/office/powerpoint/2010/main" val="802494157"/>
+        <p14:creationId xmlns:p14="http://schemas.microsoft.com/office/powerpoint/2010/main" val="1704705424"/>
       </p:ext>
     </p:extLst>
   </p:cSld>
@@ -6735,13 +6520,7 @@
       </p:grpSpPr>
       <p:sp>
         <p:nvSpPr>
-          <p:cNvPr id="2" name="Title 1">
-            <a:extLst>
-              <a:ext uri="{FF2B5EF4-FFF2-40B4-BE49-F238E27FC236}">
-                <a16:creationId xmlns:a16="http://schemas.microsoft.com/office/drawing/2014/main" id="{D2D7E8BE-E2BF-451B-BF44-8EE1135954D8}"/>
-              </a:ext>
-            </a:extLst>
-          </p:cNvPr>
+          <p:cNvPr id="2" name="Title 1"/>
           <p:cNvSpPr>
             <a:spLocks noGrp="1"/>
           </p:cNvSpPr>
@@ -6756,20 +6535,14 @@
           <a:p>
             <a:r>
               <a:rPr lang="en-US" dirty="0"/>
-              <a:t>Course Learning Outcomes (page 2)</a:t>
-            </a:r>
-          </a:p>
-        </p:txBody>
-      </p:sp>
-      <p:sp>
-        <p:nvSpPr>
-          <p:cNvPr id="3" name="Content Placeholder 2">
-            <a:extLst>
-              <a:ext uri="{FF2B5EF4-FFF2-40B4-BE49-F238E27FC236}">
-                <a16:creationId xmlns:a16="http://schemas.microsoft.com/office/drawing/2014/main" id="{990781F7-7F1B-4B6B-8074-8D327739B4A9}"/>
-              </a:ext>
-            </a:extLst>
-          </p:cNvPr>
+              <a:t>The Way Forward</a:t>
+            </a:r>
+          </a:p>
+        </p:txBody>
+      </p:sp>
+      <p:sp>
+        <p:nvSpPr>
+          <p:cNvPr id="3" name="Content Placeholder 2"/>
           <p:cNvSpPr>
             <a:spLocks noGrp="1"/>
           </p:cNvSpPr>
@@ -6782,64 +6555,48 @@
           <a:bodyPr/>
           <a:lstStyle/>
           <a:p>
-            <a:pPr lvl="0"/>
-            <a:r>
-              <a:rPr lang="en-US" sz="2200" dirty="0"/>
-              <a:t>Students will be able to describe the various concepts in network defense. </a:t>
-            </a:r>
-          </a:p>
-          <a:p>
-            <a:pPr lvl="0"/>
-            <a:r>
-              <a:rPr lang="en-US" sz="2200" dirty="0"/>
-              <a:t>Students will be able to apply their knowledge to implement network defense measures. </a:t>
-            </a:r>
-          </a:p>
-          <a:p>
-            <a:pPr lvl="0"/>
-            <a:r>
-              <a:rPr lang="en-US" sz="2200" dirty="0"/>
-              <a:t>Students will be able to identify the elements of a cryptographic system. </a:t>
-            </a:r>
-          </a:p>
-          <a:p>
-            <a:pPr lvl="0"/>
-            <a:r>
-              <a:rPr lang="en-US" sz="2200" dirty="0"/>
-              <a:t>Students will be able to describe the differences between symmetric and asymmetric algorithms. </a:t>
-            </a:r>
-          </a:p>
-          <a:p>
-            <a:pPr lvl="0"/>
-            <a:r>
-              <a:rPr lang="en-US" sz="2200" dirty="0"/>
-              <a:t>Students will be able to describe which cryptographic protocols, tools and techniques are appropriate for a given situation. </a:t>
-            </a:r>
-          </a:p>
-          <a:p>
-            <a:pPr lvl="0"/>
-            <a:r>
-              <a:rPr lang="en-US" sz="2200" dirty="0"/>
-              <a:t>Students will be able to describe how crypto can be used, strengths and weaknesses, modes, and issues that have to be addressed in an implementation (e.g., key management), etc. </a:t>
-            </a:r>
-          </a:p>
-          <a:p>
-            <a:pPr marL="0" indent="0">
-              <a:buNone/>
-            </a:pPr>
-            <a:endParaRPr lang="en-US" dirty="0"/>
-          </a:p>
-        </p:txBody>
-      </p:sp>
-      <p:sp>
-        <p:nvSpPr>
-          <p:cNvPr id="4" name="Slide Number Placeholder 3">
-            <a:extLst>
-              <a:ext uri="{FF2B5EF4-FFF2-40B4-BE49-F238E27FC236}">
-                <a16:creationId xmlns:a16="http://schemas.microsoft.com/office/drawing/2014/main" id="{775F373E-ADC9-4174-B28D-90C645AA5EB2}"/>
-              </a:ext>
-            </a:extLst>
-          </p:cNvPr>
+            <a:r>
+              <a:rPr lang="en-US" dirty="0"/>
+              <a:t>Course Prerequisites</a:t>
+            </a:r>
+          </a:p>
+          <a:p>
+            <a:r>
+              <a:rPr lang="en-US" dirty="0"/>
+              <a:t>The </a:t>
+            </a:r>
+            <a:r>
+              <a:rPr lang="en-US" dirty="0" err="1"/>
+              <a:t>McCumber</a:t>
+            </a:r>
+            <a:r>
+              <a:rPr lang="en-US" dirty="0"/>
+              <a:t> Cube – a model of cyber security</a:t>
+            </a:r>
+          </a:p>
+          <a:p>
+            <a:r>
+              <a:rPr lang="en-US" dirty="0"/>
+              <a:t>An Overview of networking</a:t>
+            </a:r>
+          </a:p>
+          <a:p>
+            <a:r>
+              <a:rPr lang="en-US" dirty="0"/>
+              <a:t>Details of the DoD and OSI models</a:t>
+            </a:r>
+          </a:p>
+          <a:p>
+            <a:r>
+              <a:rPr lang="en-US" dirty="0"/>
+              <a:t>Then on to vulnerabilities and defense.</a:t>
+            </a:r>
+          </a:p>
+        </p:txBody>
+      </p:sp>
+      <p:sp>
+        <p:nvSpPr>
+          <p:cNvPr id="6" name="Slide Number Placeholder 5"/>
           <p:cNvSpPr>
             <a:spLocks noGrp="1"/>
           </p:cNvSpPr>
@@ -6852,17 +6609,12 @@
           <a:bodyPr/>
           <a:lstStyle/>
           <a:p>
-            <a:pPr>
-              <a:defRPr/>
-            </a:pPr>
-            <a:fld id="{A722859C-89A0-4C1D-B3B9-DD0F9998A67A}" type="slidenum">
+            <a:fld id="{C8256DFF-F085-416F-83EF-FD637F07D9AA}" type="slidenum">
               <a:rPr lang="en-US" smtClean="0"/>
-              <a:pPr>
-                <a:defRPr/>
-              </a:pPr>
+              <a:pPr/>
               <a:t>8</a:t>
             </a:fld>
-            <a:endParaRPr lang="en-US" dirty="0"/>
+            <a:endParaRPr lang="en-US"/>
           </a:p>
         </p:txBody>
       </p:sp>
@@ -6872,7 +6624,7 @@
     </p:custDataLst>
     <p:extLst>
       <p:ext uri="{BB962C8B-B14F-4D97-AF65-F5344CB8AC3E}">
-        <p14:creationId xmlns:p14="http://schemas.microsoft.com/office/powerpoint/2010/main" val="1704705424"/>
+        <p14:creationId xmlns:p14="http://schemas.microsoft.com/office/powerpoint/2010/main" val="93031325"/>
       </p:ext>
     </p:extLst>
   </p:cSld>
@@ -6901,7 +6653,13 @@
       </p:grpSpPr>
       <p:sp>
         <p:nvSpPr>
-          <p:cNvPr id="2" name="Title 1"/>
+          <p:cNvPr id="2" name="Title 1">
+            <a:extLst>
+              <a:ext uri="{FF2B5EF4-FFF2-40B4-BE49-F238E27FC236}">
+                <a16:creationId xmlns:a16="http://schemas.microsoft.com/office/drawing/2014/main" xmlns="" id="{EC6C60D9-666B-4B53-A2C3-260DF1CCF44F}"/>
+              </a:ext>
+            </a:extLst>
+          </p:cNvPr>
           <p:cNvSpPr>
             <a:spLocks noGrp="1"/>
           </p:cNvSpPr>
@@ -6916,14 +6674,20 @@
           <a:p>
             <a:r>
               <a:rPr lang="en-US" dirty="0"/>
-              <a:t>The Way Forward</a:t>
-            </a:r>
-          </a:p>
-        </p:txBody>
-      </p:sp>
-      <p:sp>
-        <p:nvSpPr>
-          <p:cNvPr id="3" name="Content Placeholder 2"/>
+              <a:t>Course Prerequisites – Data Representations</a:t>
+            </a:r>
+          </a:p>
+        </p:txBody>
+      </p:sp>
+      <p:sp>
+        <p:nvSpPr>
+          <p:cNvPr id="3" name="Content Placeholder 2">
+            <a:extLst>
+              <a:ext uri="{FF2B5EF4-FFF2-40B4-BE49-F238E27FC236}">
+                <a16:creationId xmlns:a16="http://schemas.microsoft.com/office/drawing/2014/main" xmlns="" id="{C1EBEEDC-F8EE-4852-AEF7-6AAA15D5E270}"/>
+              </a:ext>
+            </a:extLst>
+          </p:cNvPr>
           <p:cNvSpPr>
             <a:spLocks noGrp="1"/>
           </p:cNvSpPr>
@@ -6938,46 +6702,75 @@
           <a:p>
             <a:r>
               <a:rPr lang="en-US" dirty="0"/>
-              <a:t>Course Prerequisites</a:t>
-            </a:r>
-          </a:p>
-          <a:p>
-            <a:r>
-              <a:rPr lang="en-US" dirty="0"/>
-              <a:t>The </a:t>
-            </a:r>
-            <a:r>
-              <a:rPr lang="en-US" dirty="0" err="1"/>
-              <a:t>McCumber</a:t>
-            </a:r>
-            <a:r>
-              <a:rPr lang="en-US" dirty="0"/>
-              <a:t> Cube – a model of cyber security</a:t>
-            </a:r>
-          </a:p>
-          <a:p>
-            <a:r>
-              <a:rPr lang="en-US" dirty="0"/>
-              <a:t>An Overview of networking</a:t>
-            </a:r>
-          </a:p>
-          <a:p>
-            <a:r>
-              <a:rPr lang="en-US" dirty="0"/>
-              <a:t>Details of the DoD and OSI models</a:t>
-            </a:r>
-          </a:p>
-          <a:p>
-            <a:r>
-              <a:rPr lang="en-US" dirty="0"/>
-              <a:t>Then on to vulnerabilities and defense.</a:t>
-            </a:r>
-          </a:p>
-        </p:txBody>
-      </p:sp>
-      <p:sp>
-        <p:nvSpPr>
-          <p:cNvPr id="6" name="Slide Number Placeholder 5"/>
+              <a:t>Students should be familiar with data representations, including:</a:t>
+            </a:r>
+          </a:p>
+          <a:p>
+            <a:pPr lvl="1"/>
+            <a:r>
+              <a:rPr lang="en-US" dirty="0"/>
+              <a:t>Binary representations of numbers (signed and unsigned integers, floats, characters, abstract data types</a:t>
+            </a:r>
+          </a:p>
+          <a:p>
+            <a:pPr lvl="1"/>
+            <a:r>
+              <a:rPr lang="en-US" dirty="0"/>
+              <a:t>Hexadecimal (HEX) numbers</a:t>
+            </a:r>
+          </a:p>
+          <a:p>
+            <a:pPr lvl="1"/>
+            <a:r>
+              <a:rPr lang="en-US" dirty="0"/>
+              <a:t>Endianness (specifically big and little endian byte orders)</a:t>
+            </a:r>
+          </a:p>
+          <a:p>
+            <a:pPr lvl="1"/>
+            <a:r>
+              <a:rPr lang="en-US" dirty="0"/>
+              <a:t>Concepts of abstraction : from bits to complex data</a:t>
+            </a:r>
+          </a:p>
+          <a:p>
+            <a:pPr lvl="1"/>
+            <a:r>
+              <a:rPr lang="en-US" dirty="0"/>
+              <a:t>Layering of data representations</a:t>
+            </a:r>
+          </a:p>
+          <a:p>
+            <a:pPr lvl="2"/>
+            <a:r>
+              <a:rPr lang="en-US" dirty="0"/>
+              <a:t>Single data type, to structures and objects, to databases</a:t>
+            </a:r>
+          </a:p>
+          <a:p>
+            <a:pPr lvl="2"/>
+            <a:r>
+              <a:rPr lang="en-US" dirty="0"/>
+              <a:t>Nested typing</a:t>
+            </a:r>
+          </a:p>
+          <a:p>
+            <a:pPr marL="342900" lvl="1" indent="0">
+              <a:buNone/>
+            </a:pPr>
+            <a:endParaRPr lang="en-US" dirty="0"/>
+          </a:p>
+        </p:txBody>
+      </p:sp>
+      <p:sp>
+        <p:nvSpPr>
+          <p:cNvPr id="4" name="Slide Number Placeholder 3">
+            <a:extLst>
+              <a:ext uri="{FF2B5EF4-FFF2-40B4-BE49-F238E27FC236}">
+                <a16:creationId xmlns:a16="http://schemas.microsoft.com/office/drawing/2014/main" xmlns="" id="{8AEED27E-680C-44EC-A66F-2E1DBF7DB498}"/>
+              </a:ext>
+            </a:extLst>
+          </p:cNvPr>
           <p:cNvSpPr>
             <a:spLocks noGrp="1"/>
           </p:cNvSpPr>
@@ -6990,12 +6783,17 @@
           <a:bodyPr/>
           <a:lstStyle/>
           <a:p>
-            <a:fld id="{C8256DFF-F085-416F-83EF-FD637F07D9AA}" type="slidenum">
+            <a:pPr>
+              <a:defRPr/>
+            </a:pPr>
+            <a:fld id="{A722859C-89A0-4C1D-B3B9-DD0F9998A67A}" type="slidenum">
               <a:rPr lang="en-US" smtClean="0"/>
-              <a:pPr/>
+              <a:pPr>
+                <a:defRPr/>
+              </a:pPr>
               <a:t>9</a:t>
             </a:fld>
-            <a:endParaRPr lang="en-US"/>
+            <a:endParaRPr lang="en-US" dirty="0"/>
           </a:p>
         </p:txBody>
       </p:sp>
@@ -7005,7 +6803,7 @@
     </p:custDataLst>
     <p:extLst>
       <p:ext uri="{BB962C8B-B14F-4D97-AF65-F5344CB8AC3E}">
-        <p14:creationId xmlns:p14="http://schemas.microsoft.com/office/powerpoint/2010/main" val="93031325"/>
+        <p14:creationId xmlns:p14="http://schemas.microsoft.com/office/powerpoint/2010/main" val="881709484"/>
       </p:ext>
     </p:extLst>
   </p:cSld>
@@ -7059,7 +6857,7 @@
 
 <file path=ppt/tags/tag13.xml><?xml version="1.0" encoding="utf-8"?>
 <p:tagLst xmlns:a="http://schemas.openxmlformats.org/drawingml/2006/main" xmlns:r="http://schemas.openxmlformats.org/officeDocument/2006/relationships" xmlns:p="http://schemas.openxmlformats.org/presentationml/2006/main">
-  <p:tag name="AUDIO_ID" val="304"/>
+  <p:tag name="AUDIO_ID" val="303"/>
   <p:tag name="ARTICULATE_NAV_LEVEL" val="1"/>
   <p:tag name="ARTICULATE_TOC_EXPANDED" val="True"/>
   <p:tag name="ARTICULATE_SLIDE_PRESENTER_GUID" val="b6afec6b-4ad9-49aa-931c-79381ce9333b"/>
@@ -7074,7 +6872,7 @@
 
 <file path=ppt/tags/tag14.xml><?xml version="1.0" encoding="utf-8"?>
 <p:tagLst xmlns:a="http://schemas.openxmlformats.org/drawingml/2006/main" xmlns:r="http://schemas.openxmlformats.org/officeDocument/2006/relationships" xmlns:p="http://schemas.openxmlformats.org/presentationml/2006/main">
-  <p:tag name="AUDIO_ID" val="303"/>
+  <p:tag name="AUDIO_ID" val="305"/>
   <p:tag name="ARTICULATE_NAV_LEVEL" val="1"/>
   <p:tag name="ARTICULATE_TOC_EXPANDED" val="True"/>
   <p:tag name="ARTICULATE_SLIDE_PRESENTER_GUID" val="b6afec6b-4ad9-49aa-931c-79381ce9333b"/>
@@ -7089,7 +6887,7 @@
 
 <file path=ppt/tags/tag15.xml><?xml version="1.0" encoding="utf-8"?>
 <p:tagLst xmlns:a="http://schemas.openxmlformats.org/drawingml/2006/main" xmlns:r="http://schemas.openxmlformats.org/officeDocument/2006/relationships" xmlns:p="http://schemas.openxmlformats.org/presentationml/2006/main">
-  <p:tag name="AUDIO_ID" val="305"/>
+  <p:tag name="AUDIO_ID" val="334"/>
   <p:tag name="ARTICULATE_NAV_LEVEL" val="1"/>
   <p:tag name="ARTICULATE_TOC_EXPANDED" val="True"/>
   <p:tag name="ARTICULATE_SLIDE_PRESENTER_GUID" val="b6afec6b-4ad9-49aa-931c-79381ce9333b"/>
@@ -7104,7 +6902,7 @@
 
 <file path=ppt/tags/tag16.xml><?xml version="1.0" encoding="utf-8"?>
 <p:tagLst xmlns:a="http://schemas.openxmlformats.org/drawingml/2006/main" xmlns:r="http://schemas.openxmlformats.org/officeDocument/2006/relationships" xmlns:p="http://schemas.openxmlformats.org/presentationml/2006/main">
-  <p:tag name="AUDIO_ID" val="334"/>
+  <p:tag name="AUDIO_ID" val="306"/>
   <p:tag name="ARTICULATE_NAV_LEVEL" val="1"/>
   <p:tag name="ARTICULATE_TOC_EXPANDED" val="True"/>
   <p:tag name="ARTICULATE_SLIDE_PRESENTER_GUID" val="b6afec6b-4ad9-49aa-931c-79381ce9333b"/>
@@ -7119,7 +6917,19 @@
 
 <file path=ppt/tags/tag17.xml><?xml version="1.0" encoding="utf-8"?>
 <p:tagLst xmlns:a="http://schemas.openxmlformats.org/drawingml/2006/main" xmlns:r="http://schemas.openxmlformats.org/officeDocument/2006/relationships" xmlns:p="http://schemas.openxmlformats.org/presentationml/2006/main">
-  <p:tag name="AUDIO_ID" val="306"/>
+  <p:tag name="ARTICULATE_SLIDE_THUMBNAIL_REFRESH" val="1"/>
+</p:tagLst>
+</file>
+
+<file path=ppt/tags/tag18.xml><?xml version="1.0" encoding="utf-8"?>
+<p:tagLst xmlns:a="http://schemas.openxmlformats.org/drawingml/2006/main" xmlns:r="http://schemas.openxmlformats.org/officeDocument/2006/relationships" xmlns:p="http://schemas.openxmlformats.org/presentationml/2006/main">
+  <p:tag name="ARTICULATE_SLIDE_THUMBNAIL_REFRESH" val="1"/>
+</p:tagLst>
+</file>
+
+<file path=ppt/tags/tag19.xml><?xml version="1.0" encoding="utf-8"?>
+<p:tagLst xmlns:a="http://schemas.openxmlformats.org/drawingml/2006/main" xmlns:r="http://schemas.openxmlformats.org/officeDocument/2006/relationships" xmlns:p="http://schemas.openxmlformats.org/presentationml/2006/main">
+  <p:tag name="AUDIO_ID" val="311"/>
   <p:tag name="ARTICULATE_NAV_LEVEL" val="1"/>
   <p:tag name="ARTICULATE_TOC_EXPANDED" val="True"/>
   <p:tag name="ARTICULATE_SLIDE_PRESENTER_GUID" val="b6afec6b-4ad9-49aa-931c-79381ce9333b"/>
@@ -7132,18 +6942,6 @@
 </p:tagLst>
 </file>
 
-<file path=ppt/tags/tag18.xml><?xml version="1.0" encoding="utf-8"?>
-<p:tagLst xmlns:a="http://schemas.openxmlformats.org/drawingml/2006/main" xmlns:r="http://schemas.openxmlformats.org/officeDocument/2006/relationships" xmlns:p="http://schemas.openxmlformats.org/presentationml/2006/main">
-  <p:tag name="ARTICULATE_SLIDE_THUMBNAIL_REFRESH" val="1"/>
-</p:tagLst>
-</file>
-
-<file path=ppt/tags/tag19.xml><?xml version="1.0" encoding="utf-8"?>
-<p:tagLst xmlns:a="http://schemas.openxmlformats.org/drawingml/2006/main" xmlns:r="http://schemas.openxmlformats.org/officeDocument/2006/relationships" xmlns:p="http://schemas.openxmlformats.org/presentationml/2006/main">
-  <p:tag name="ARTICULATE_SLIDE_THUMBNAIL_REFRESH" val="1"/>
-</p:tagLst>
-</file>
-
 <file path=ppt/tags/tag2.xml><?xml version="1.0" encoding="utf-8"?>
 <p:tagLst xmlns:a="http://schemas.openxmlformats.org/drawingml/2006/main" xmlns:r="http://schemas.openxmlformats.org/officeDocument/2006/relationships" xmlns:p="http://schemas.openxmlformats.org/presentationml/2006/main">
   <p:tag name="ARTICULATE_SLIDE_THUMBNAIL_REFRESH" val="1"/>
@@ -7152,15 +6950,6 @@
 
 <file path=ppt/tags/tag20.xml><?xml version="1.0" encoding="utf-8"?>
 <p:tagLst xmlns:a="http://schemas.openxmlformats.org/drawingml/2006/main" xmlns:r="http://schemas.openxmlformats.org/officeDocument/2006/relationships" xmlns:p="http://schemas.openxmlformats.org/presentationml/2006/main">
-  <p:tag name="AUDIO_ID" val="311"/>
-  <p:tag name="ARTICULATE_NAV_LEVEL" val="1"/>
-  <p:tag name="ARTICULATE_TOC_EXPANDED" val="True"/>
-  <p:tag name="ARTICULATE_SLIDE_PRESENTER_GUID" val="b6afec6b-4ad9-49aa-931c-79381ce9333b"/>
-  <p:tag name="ARTICULATE_SLIDE_PAUSE" val="0"/>
-  <p:tag name="ARTICULATE_HIDE_SLIDE" val="0"/>
-  <p:tag name="ARTICULATE_PLAYER_CONTROL_PREVIOUS" val="True"/>
-  <p:tag name="ARTICULATE_PLAYER_CONTROL_NEXT" val="True"/>
-  <p:tag name="ARTICULATE_USED_LAYOUT" val="2"/>
   <p:tag name="ARTICULATE_SLIDE_THUMBNAIL_REFRESH" val="1"/>
 </p:tagLst>
 </file>
@@ -7178,12 +6967,6 @@
 </file>
 
 <file path=ppt/tags/tag23.xml><?xml version="1.0" encoding="utf-8"?>
-<p:tagLst xmlns:a="http://schemas.openxmlformats.org/drawingml/2006/main" xmlns:r="http://schemas.openxmlformats.org/officeDocument/2006/relationships" xmlns:p="http://schemas.openxmlformats.org/presentationml/2006/main">
-  <p:tag name="ARTICULATE_SLIDE_THUMBNAIL_REFRESH" val="1"/>
-</p:tagLst>
-</file>
-
-<file path=ppt/tags/tag24.xml><?xml version="1.0" encoding="utf-8"?>
 <p:tagLst xmlns:a="http://schemas.openxmlformats.org/drawingml/2006/main" xmlns:r="http://schemas.openxmlformats.org/officeDocument/2006/relationships" xmlns:p="http://schemas.openxmlformats.org/presentationml/2006/main">
   <p:tag name="AUDIO_ID" val="333"/>
   <p:tag name="ARTICULATE_NAV_LEVEL" val="1"/>

--- a/Network-Security/Module_0 Introduction/NetSec Module 0 -- Course Introduction.pptx
+++ b/Network-Security/Module_0 Introduction/NetSec Module 0 -- Course Introduction.pptx
@@ -19,7 +19,7 @@
     <p:sldId id="337" r:id="rId10"/>
     <p:sldId id="338" r:id="rId11"/>
     <p:sldId id="339" r:id="rId12"/>
-    <p:sldId id="333" r:id="rId13"/>
+    <p:sldId id="340" r:id="rId13"/>
   </p:sldIdLst>
   <p:sldSz cx="9144000" cy="6858000" type="screen4x3"/>
   <p:notesSz cx="7315200" cy="9601200"/>
@@ -279,7 +279,7 @@
               <a:pPr>
                 <a:defRPr/>
               </a:pPr>
-              <a:t>4/19/18</a:t>
+              <a:t>4/24/18</a:t>
             </a:fld>
             <a:endParaRPr lang="en-US"/>
           </a:p>
@@ -1483,7 +1483,7 @@
     </p:spTree>
     <p:extLst>
       <p:ext uri="{BB962C8B-B14F-4D97-AF65-F5344CB8AC3E}">
-        <p14:creationId xmlns:p14="http://schemas.microsoft.com/office/powerpoint/2010/main" val="2433617412"/>
+        <p14:creationId xmlns:p14="http://schemas.microsoft.com/office/powerpoint/2010/main" val="1128526742"/>
       </p:ext>
     </p:extLst>
   </p:cSld>
@@ -3447,7 +3447,7 @@
           <p:cNvPr id="2" name="Title 1">
             <a:extLst>
               <a:ext uri="{FF2B5EF4-FFF2-40B4-BE49-F238E27FC236}">
-                <a16:creationId xmlns:a16="http://schemas.microsoft.com/office/drawing/2014/main" xmlns="" id="{5C287DE2-E1A2-4F41-96FE-94AF4425CB03}"/>
+                <a16:creationId xmlns="" xmlns:a16="http://schemas.microsoft.com/office/drawing/2014/main" id="{5C287DE2-E1A2-4F41-96FE-94AF4425CB03}"/>
               </a:ext>
             </a:extLst>
           </p:cNvPr>
@@ -3586,7 +3586,7 @@
           <p:cNvPr id="3" name="Slide Number Placeholder 2">
             <a:extLst>
               <a:ext uri="{FF2B5EF4-FFF2-40B4-BE49-F238E27FC236}">
-                <a16:creationId xmlns:a16="http://schemas.microsoft.com/office/drawing/2014/main" xmlns="" id="{7D2FFADE-E1BC-48C1-83AA-6DDDD39A33C4}"/>
+                <a16:creationId xmlns="" xmlns:a16="http://schemas.microsoft.com/office/drawing/2014/main" id="{7D2FFADE-E1BC-48C1-83AA-6DDDD39A33C4}"/>
               </a:ext>
             </a:extLst>
           </p:cNvPr>
@@ -3621,7 +3621,7 @@
           <p:cNvPr id="9" name="Picture 8">
             <a:extLst>
               <a:ext uri="{FF2B5EF4-FFF2-40B4-BE49-F238E27FC236}">
-                <a16:creationId xmlns:a16="http://schemas.microsoft.com/office/drawing/2014/main" xmlns="" id="{9CBFC76A-A606-42CF-BCDF-C73975C150B9}"/>
+                <a16:creationId xmlns="" xmlns:a16="http://schemas.microsoft.com/office/drawing/2014/main" id="{9CBFC76A-A606-42CF-BCDF-C73975C150B9}"/>
               </a:ext>
             </a:extLst>
           </p:cNvPr>
@@ -4689,7 +4689,7 @@
           <p:cNvPr id="2" name="Title 1">
             <a:extLst>
               <a:ext uri="{FF2B5EF4-FFF2-40B4-BE49-F238E27FC236}">
-                <a16:creationId xmlns:a16="http://schemas.microsoft.com/office/drawing/2014/main" xmlns="" id="{B35B88E5-9A25-40A1-BF8B-283FDA8F4609}"/>
+                <a16:creationId xmlns="" xmlns:a16="http://schemas.microsoft.com/office/drawing/2014/main" id="{B35B88E5-9A25-40A1-BF8B-283FDA8F4609}"/>
               </a:ext>
             </a:extLst>
           </p:cNvPr>
@@ -4717,7 +4717,7 @@
           <p:cNvPr id="3" name="Content Placeholder 2">
             <a:extLst>
               <a:ext uri="{FF2B5EF4-FFF2-40B4-BE49-F238E27FC236}">
-                <a16:creationId xmlns:a16="http://schemas.microsoft.com/office/drawing/2014/main" xmlns="" id="{2861C28E-CA49-4641-BD35-06CDD9FA5F84}"/>
+                <a16:creationId xmlns="" xmlns:a16="http://schemas.microsoft.com/office/drawing/2014/main" id="{2861C28E-CA49-4641-BD35-06CDD9FA5F84}"/>
               </a:ext>
             </a:extLst>
           </p:cNvPr>
@@ -4819,7 +4819,7 @@
           <p:cNvPr id="4" name="Slide Number Placeholder 3">
             <a:extLst>
               <a:ext uri="{FF2B5EF4-FFF2-40B4-BE49-F238E27FC236}">
-                <a16:creationId xmlns:a16="http://schemas.microsoft.com/office/drawing/2014/main" xmlns="" id="{3B09306A-9FDC-4CE7-BE20-CE38313CE13B}"/>
+                <a16:creationId xmlns="" xmlns:a16="http://schemas.microsoft.com/office/drawing/2014/main" id="{3B09306A-9FDC-4CE7-BE20-CE38313CE13B}"/>
               </a:ext>
             </a:extLst>
           </p:cNvPr>
@@ -4887,7 +4887,7 @@
           <p:cNvPr id="2" name="Title 1">
             <a:extLst>
               <a:ext uri="{FF2B5EF4-FFF2-40B4-BE49-F238E27FC236}">
-                <a16:creationId xmlns:a16="http://schemas.microsoft.com/office/drawing/2014/main" xmlns="" id="{25585BDC-DDED-4072-8A71-1B4183A6BACD}"/>
+                <a16:creationId xmlns="" xmlns:a16="http://schemas.microsoft.com/office/drawing/2014/main" id="{25585BDC-DDED-4072-8A71-1B4183A6BACD}"/>
               </a:ext>
             </a:extLst>
           </p:cNvPr>
@@ -4915,7 +4915,7 @@
           <p:cNvPr id="3" name="Content Placeholder 2">
             <a:extLst>
               <a:ext uri="{FF2B5EF4-FFF2-40B4-BE49-F238E27FC236}">
-                <a16:creationId xmlns:a16="http://schemas.microsoft.com/office/drawing/2014/main" xmlns="" id="{93880142-08AE-4B26-8DF5-F9963BEF4C7D}"/>
+                <a16:creationId xmlns="" xmlns:a16="http://schemas.microsoft.com/office/drawing/2014/main" id="{93880142-08AE-4B26-8DF5-F9963BEF4C7D}"/>
               </a:ext>
             </a:extLst>
           </p:cNvPr>
@@ -5013,7 +5013,7 @@
           <p:cNvPr id="4" name="Slide Number Placeholder 3">
             <a:extLst>
               <a:ext uri="{FF2B5EF4-FFF2-40B4-BE49-F238E27FC236}">
-                <a16:creationId xmlns:a16="http://schemas.microsoft.com/office/drawing/2014/main" xmlns="" id="{47E4681A-F0A0-41B8-A29F-40956C30A2AE}"/>
+                <a16:creationId xmlns="" xmlns:a16="http://schemas.microsoft.com/office/drawing/2014/main" id="{47E4681A-F0A0-41B8-A29F-40956C30A2AE}"/>
               </a:ext>
             </a:extLst>
           </p:cNvPr>
@@ -5078,35 +5078,10 @@
       </p:grpSpPr>
       <p:sp>
         <p:nvSpPr>
-          <p:cNvPr id="11" name="Title 10">
-            <a:extLst>
-              <a:ext uri="{FF2B5EF4-FFF2-40B4-BE49-F238E27FC236}">
-                <a16:creationId xmlns:a16="http://schemas.microsoft.com/office/drawing/2014/main" xmlns="" id="{1F52A716-5142-4987-84C0-078D1007C406}"/>
-              </a:ext>
-            </a:extLst>
-          </p:cNvPr>
-          <p:cNvSpPr>
-            <a:spLocks noGrp="1"/>
-          </p:cNvSpPr>
-          <p:nvPr>
-            <p:ph type="title"/>
-          </p:nvPr>
-        </p:nvSpPr>
-        <p:spPr/>
-        <p:txBody>
-          <a:bodyPr/>
-          <a:lstStyle/>
-          <a:p>
-            <a:endParaRPr lang="en-US" dirty="0"/>
-          </a:p>
-        </p:txBody>
-      </p:sp>
-      <p:sp>
-        <p:nvSpPr>
           <p:cNvPr id="7" name="Slide Number Placeholder 6">
             <a:extLst>
               <a:ext uri="{FF2B5EF4-FFF2-40B4-BE49-F238E27FC236}">
-                <a16:creationId xmlns:a16="http://schemas.microsoft.com/office/drawing/2014/main" xmlns="" id="{27B55DC7-B95B-4807-B808-1E7A81E0F45A}"/>
+                <a16:creationId xmlns="" xmlns:a16="http://schemas.microsoft.com/office/drawing/2014/main" id="{27B55DC7-B95B-4807-B808-1E7A81E0F45A}"/>
               </a:ext>
             </a:extLst>
           </p:cNvPr>
@@ -5131,13 +5106,333 @@
           </a:p>
         </p:txBody>
       </p:sp>
+      <p:sp>
+        <p:nvSpPr>
+          <p:cNvPr id="19" name="Text Placeholder 7">
+            <a:extLst>
+              <a:ext uri="{FF2B5EF4-FFF2-40B4-BE49-F238E27FC236}">
+                <a16:creationId xmlns="" xmlns:a16="http://schemas.microsoft.com/office/drawing/2014/main" id="{2785A2B3-FCF4-4D59-9841-12917D91B27A}"/>
+              </a:ext>
+            </a:extLst>
+          </p:cNvPr>
+          <p:cNvSpPr txBox="1">
+            <a:spLocks/>
+          </p:cNvSpPr>
+          <p:nvPr/>
+        </p:nvSpPr>
+        <p:spPr>
+          <a:xfrm>
+            <a:off x="725683" y="871606"/>
+            <a:ext cx="7893050" cy="5114787"/>
+          </a:xfrm>
+          <a:prstGeom prst="rect">
+            <a:avLst/>
+          </a:prstGeom>
+        </p:spPr>
+        <p:txBody>
+          <a:bodyPr/>
+          <a:lstStyle>
+            <a:lvl1pPr marL="0" indent="0" algn="ctr" defTabSz="685800" rtl="0" eaLnBrk="0" fontAlgn="base" hangingPunct="0">
+              <a:lnSpc>
+                <a:spcPct val="90000"/>
+              </a:lnSpc>
+              <a:spcBef>
+                <a:spcPts val="750"/>
+              </a:spcBef>
+              <a:spcAft>
+                <a:spcPct val="0"/>
+              </a:spcAft>
+              <a:buFont typeface="Arial" charset="0"/>
+              <a:buNone/>
+              <a:defRPr sz="1800" kern="1200">
+                <a:solidFill>
+                  <a:schemeClr val="tx1"/>
+                </a:solidFill>
+                <a:latin typeface="+mn-lt"/>
+                <a:ea typeface="+mn-ea"/>
+                <a:cs typeface="+mn-cs"/>
+              </a:defRPr>
+            </a:lvl1pPr>
+            <a:lvl2pPr marL="514350" indent="-171450" algn="l" defTabSz="685800" rtl="0" eaLnBrk="0" fontAlgn="base" hangingPunct="0">
+              <a:lnSpc>
+                <a:spcPct val="90000"/>
+              </a:lnSpc>
+              <a:spcBef>
+                <a:spcPts val="375"/>
+              </a:spcBef>
+              <a:spcAft>
+                <a:spcPct val="0"/>
+              </a:spcAft>
+              <a:buFont typeface="Arial" charset="0"/>
+              <a:buChar char="•"/>
+              <a:defRPr sz="2400" kern="1200">
+                <a:solidFill>
+                  <a:schemeClr val="tx1"/>
+                </a:solidFill>
+                <a:latin typeface="+mn-lt"/>
+                <a:ea typeface="+mn-ea"/>
+                <a:cs typeface="+mn-cs"/>
+              </a:defRPr>
+            </a:lvl2pPr>
+            <a:lvl3pPr marL="857250" indent="-171450" algn="l" defTabSz="685800" rtl="0" eaLnBrk="0" fontAlgn="base" hangingPunct="0">
+              <a:lnSpc>
+                <a:spcPct val="90000"/>
+              </a:lnSpc>
+              <a:spcBef>
+                <a:spcPts val="375"/>
+              </a:spcBef>
+              <a:spcAft>
+                <a:spcPct val="0"/>
+              </a:spcAft>
+              <a:buFont typeface="Arial" charset="0"/>
+              <a:buChar char="•"/>
+              <a:defRPr sz="1800" kern="1200">
+                <a:solidFill>
+                  <a:schemeClr val="tx1"/>
+                </a:solidFill>
+                <a:latin typeface="+mn-lt"/>
+                <a:ea typeface="+mn-ea"/>
+                <a:cs typeface="+mn-cs"/>
+              </a:defRPr>
+            </a:lvl3pPr>
+            <a:lvl4pPr marL="1200150" indent="-171450" algn="l" defTabSz="685800" rtl="0" eaLnBrk="0" fontAlgn="base" hangingPunct="0">
+              <a:lnSpc>
+                <a:spcPct val="90000"/>
+              </a:lnSpc>
+              <a:spcBef>
+                <a:spcPts val="375"/>
+              </a:spcBef>
+              <a:spcAft>
+                <a:spcPct val="0"/>
+              </a:spcAft>
+              <a:buFont typeface="Arial" charset="0"/>
+              <a:buChar char="•"/>
+              <a:defRPr sz="1600" kern="1200">
+                <a:solidFill>
+                  <a:schemeClr val="tx1"/>
+                </a:solidFill>
+                <a:latin typeface="+mn-lt"/>
+                <a:ea typeface="+mn-ea"/>
+                <a:cs typeface="+mn-cs"/>
+              </a:defRPr>
+            </a:lvl4pPr>
+            <a:lvl5pPr marL="1543050" indent="-171450" algn="l" defTabSz="685800" rtl="0" eaLnBrk="0" fontAlgn="base" hangingPunct="0">
+              <a:lnSpc>
+                <a:spcPct val="90000"/>
+              </a:lnSpc>
+              <a:spcBef>
+                <a:spcPts val="375"/>
+              </a:spcBef>
+              <a:spcAft>
+                <a:spcPct val="0"/>
+              </a:spcAft>
+              <a:buFont typeface="Arial" charset="0"/>
+              <a:buChar char="•"/>
+              <a:defRPr sz="1600" kern="1200">
+                <a:solidFill>
+                  <a:schemeClr val="tx1"/>
+                </a:solidFill>
+                <a:latin typeface="+mn-lt"/>
+                <a:ea typeface="+mn-ea"/>
+                <a:cs typeface="+mn-cs"/>
+              </a:defRPr>
+            </a:lvl5pPr>
+            <a:lvl6pPr marL="1885950" indent="-171450" algn="l" defTabSz="685800" rtl="0" eaLnBrk="1" latinLnBrk="0" hangingPunct="1">
+              <a:lnSpc>
+                <a:spcPct val="90000"/>
+              </a:lnSpc>
+              <a:spcBef>
+                <a:spcPts val="375"/>
+              </a:spcBef>
+              <a:buFont typeface="Arial" panose="020B0604020202020204" pitchFamily="34" charset="0"/>
+              <a:buChar char="•"/>
+              <a:defRPr sz="1350" kern="1200">
+                <a:solidFill>
+                  <a:schemeClr val="tx1"/>
+                </a:solidFill>
+                <a:latin typeface="+mn-lt"/>
+                <a:ea typeface="+mn-ea"/>
+                <a:cs typeface="+mn-cs"/>
+              </a:defRPr>
+            </a:lvl6pPr>
+            <a:lvl7pPr marL="2228850" indent="-171450" algn="l" defTabSz="685800" rtl="0" eaLnBrk="1" latinLnBrk="0" hangingPunct="1">
+              <a:lnSpc>
+                <a:spcPct val="90000"/>
+              </a:lnSpc>
+              <a:spcBef>
+                <a:spcPts val="375"/>
+              </a:spcBef>
+              <a:buFont typeface="Arial" panose="020B0604020202020204" pitchFamily="34" charset="0"/>
+              <a:buChar char="•"/>
+              <a:defRPr sz="1350" kern="1200">
+                <a:solidFill>
+                  <a:schemeClr val="tx1"/>
+                </a:solidFill>
+                <a:latin typeface="+mn-lt"/>
+                <a:ea typeface="+mn-ea"/>
+                <a:cs typeface="+mn-cs"/>
+              </a:defRPr>
+            </a:lvl7pPr>
+            <a:lvl8pPr marL="2571750" indent="-171450" algn="l" defTabSz="685800" rtl="0" eaLnBrk="1" latinLnBrk="0" hangingPunct="1">
+              <a:lnSpc>
+                <a:spcPct val="90000"/>
+              </a:lnSpc>
+              <a:spcBef>
+                <a:spcPts val="375"/>
+              </a:spcBef>
+              <a:buFont typeface="Arial" panose="020B0604020202020204" pitchFamily="34" charset="0"/>
+              <a:buChar char="•"/>
+              <a:defRPr sz="1350" kern="1200">
+                <a:solidFill>
+                  <a:schemeClr val="tx1"/>
+                </a:solidFill>
+                <a:latin typeface="+mn-lt"/>
+                <a:ea typeface="+mn-ea"/>
+                <a:cs typeface="+mn-cs"/>
+              </a:defRPr>
+            </a:lvl8pPr>
+            <a:lvl9pPr marL="2914650" indent="-171450" algn="l" defTabSz="685800" rtl="0" eaLnBrk="1" latinLnBrk="0" hangingPunct="1">
+              <a:lnSpc>
+                <a:spcPct val="90000"/>
+              </a:lnSpc>
+              <a:spcBef>
+                <a:spcPts val="375"/>
+              </a:spcBef>
+              <a:buFont typeface="Arial" panose="020B0604020202020204" pitchFamily="34" charset="0"/>
+              <a:buChar char="•"/>
+              <a:defRPr sz="1350" kern="1200">
+                <a:solidFill>
+                  <a:schemeClr val="tx1"/>
+                </a:solidFill>
+                <a:latin typeface="+mn-lt"/>
+                <a:ea typeface="+mn-ea"/>
+                <a:cs typeface="+mn-cs"/>
+              </a:defRPr>
+            </a:lvl9pPr>
+          </a:lstStyle>
+          <a:p>
+            <a:r>
+              <a:rPr lang="en-US" dirty="0"/>
+              <a:t>Please attribute Dr. Jim Alves-Foss and Dr. Jia Song, University of Idaho</a:t>
+            </a:r>
+            <a:br>
+              <a:rPr lang="en-US" dirty="0"/>
+            </a:br>
+            <a:r>
+              <a:rPr lang="en-US" dirty="0"/>
+              <a:t/>
+            </a:r>
+            <a:br>
+              <a:rPr lang="en-US" dirty="0"/>
+            </a:br>
+            <a:r>
+              <a:rPr lang="en-US" dirty="0"/>
+              <a:t/>
+            </a:r>
+            <a:br>
+              <a:rPr lang="en-US" dirty="0"/>
+            </a:br>
+            <a:r>
+              <a:rPr lang="en-US" dirty="0"/>
+              <a:t/>
+            </a:r>
+            <a:br>
+              <a:rPr lang="en-US" dirty="0"/>
+            </a:br>
+            <a:r>
+              <a:rPr lang="en-US" dirty="0"/>
+              <a:t/>
+            </a:r>
+            <a:br>
+              <a:rPr lang="en-US" dirty="0"/>
+            </a:br>
+            <a:r>
+              <a:rPr lang="en-US" dirty="0"/>
+              <a:t/>
+            </a:r>
+            <a:br>
+              <a:rPr lang="en-US" dirty="0"/>
+            </a:br>
+            <a:r>
+              <a:rPr lang="en-US" dirty="0"/>
+              <a:t/>
+            </a:r>
+            <a:br>
+              <a:rPr lang="en-US" dirty="0"/>
+            </a:br>
+            <a:r>
+              <a:rPr lang="en-US" dirty="0"/>
+              <a:t/>
+            </a:r>
+            <a:br>
+              <a:rPr lang="en-US" dirty="0"/>
+            </a:br>
+            <a:endParaRPr lang="en-US" dirty="0"/>
+          </a:p>
+          <a:p>
+            <a:r>
+              <a:rPr lang="en-US" sz="1600" dirty="0"/>
+              <a:t>Except where otherwise noted, this work is licensed under https://creativecommons.org/licenses/by-nc-sa/4.0/</a:t>
+            </a:r>
+            <a:br>
+              <a:rPr lang="en-US" sz="1600" dirty="0"/>
+            </a:br>
+            <a:r>
+              <a:rPr lang="en-US" sz="1600" dirty="0"/>
+              <a:t/>
+            </a:r>
+            <a:br>
+              <a:rPr lang="en-US" sz="1600" dirty="0"/>
+            </a:br>
+            <a:r>
+              <a:rPr lang="en-US" sz="1600" dirty="0"/>
+              <a:t>Not withstanding the non-commercial license terms, non-profit educational institutions are granted a non-exclusive license to adapt and use this material, with attribution.</a:t>
+            </a:r>
+            <a:br>
+              <a:rPr lang="en-US" sz="1600" dirty="0"/>
+            </a:br>
+            <a:r>
+              <a:rPr lang="en-US" sz="1600" dirty="0"/>
+              <a:t/>
+            </a:r>
+            <a:br>
+              <a:rPr lang="en-US" sz="1600" dirty="0"/>
+            </a:br>
+            <a:r>
+              <a:rPr lang="en-US" sz="1600" dirty="0"/>
+              <a:t>Creative Commons and the double C in a circle are registered trademarks of Creative commons in the United States and other countries. Third party marks and brands are the property of their respective holders</a:t>
+            </a:r>
+            <a:r>
+              <a:rPr lang="en-US" sz="1600" dirty="0" smtClean="0"/>
+              <a:t>.</a:t>
+            </a:r>
+          </a:p>
+          <a:p>
+            <a:r>
+              <a:rPr lang="en-US" sz="1600" dirty="0"/>
+              <a:t>Project sponsored by the National Security Agency under grant Number </a:t>
+            </a:r>
+            <a:r>
+              <a:rPr lang="en-US" sz="1600" dirty="0" smtClean="0"/>
+              <a:t>H98230-17-1-0199. The </a:t>
+            </a:r>
+            <a:r>
+              <a:rPr lang="en-US" sz="1600" dirty="0"/>
+              <a:t>United States Government is authorized to reproduce and distribute reprints notwithstanding any copyright notation herein.</a:t>
+            </a:r>
+          </a:p>
+          <a:p>
+            <a:endParaRPr lang="en-US" sz="1600" dirty="0"/>
+          </a:p>
+        </p:txBody>
+      </p:sp>
     </p:spTree>
     <p:custDataLst>
       <p:tags r:id="rId1"/>
     </p:custDataLst>
     <p:extLst>
       <p:ext uri="{BB962C8B-B14F-4D97-AF65-F5344CB8AC3E}">
-        <p14:creationId xmlns:p14="http://schemas.microsoft.com/office/powerpoint/2010/main" val="1892705052"/>
+        <p14:creationId xmlns:p14="http://schemas.microsoft.com/office/powerpoint/2010/main" val="1208418003"/>
       </p:ext>
     </p:extLst>
   </p:cSld>
@@ -5254,7 +5549,7 @@
           <p:cNvPr id="3" name="Slide Number Placeholder 2">
             <a:extLst>
               <a:ext uri="{FF2B5EF4-FFF2-40B4-BE49-F238E27FC236}">
-                <a16:creationId xmlns:a16="http://schemas.microsoft.com/office/drawing/2014/main" xmlns="" id="{0B1163B0-19D9-4859-8B88-CD4B646011C3}"/>
+                <a16:creationId xmlns="" xmlns:a16="http://schemas.microsoft.com/office/drawing/2014/main" id="{0B1163B0-19D9-4859-8B88-CD4B646011C3}"/>
               </a:ext>
             </a:extLst>
           </p:cNvPr>
@@ -5448,7 +5743,7 @@
           <p:cNvPr id="2" name="Title 1">
             <a:extLst>
               <a:ext uri="{FF2B5EF4-FFF2-40B4-BE49-F238E27FC236}">
-                <a16:creationId xmlns:a16="http://schemas.microsoft.com/office/drawing/2014/main" xmlns="" id="{3235840D-4F3D-4147-A733-D39830B9425C}"/>
+                <a16:creationId xmlns="" xmlns:a16="http://schemas.microsoft.com/office/drawing/2014/main" id="{3235840D-4F3D-4147-A733-D39830B9425C}"/>
               </a:ext>
             </a:extLst>
           </p:cNvPr>
@@ -5476,7 +5771,7 @@
           <p:cNvPr id="3" name="Content Placeholder 2">
             <a:extLst>
               <a:ext uri="{FF2B5EF4-FFF2-40B4-BE49-F238E27FC236}">
-                <a16:creationId xmlns:a16="http://schemas.microsoft.com/office/drawing/2014/main" xmlns="" id="{493C372F-8ABA-45AE-AF87-9DD86459CA8E}"/>
+                <a16:creationId xmlns="" xmlns:a16="http://schemas.microsoft.com/office/drawing/2014/main" id="{493C372F-8ABA-45AE-AF87-9DD86459CA8E}"/>
               </a:ext>
             </a:extLst>
           </p:cNvPr>
@@ -5535,7 +5830,7 @@
           <p:cNvPr id="4" name="Slide Number Placeholder 3">
             <a:extLst>
               <a:ext uri="{FF2B5EF4-FFF2-40B4-BE49-F238E27FC236}">
-                <a16:creationId xmlns:a16="http://schemas.microsoft.com/office/drawing/2014/main" xmlns="" id="{5BBBB4D4-D451-4001-AE92-8D1309D0A9A7}"/>
+                <a16:creationId xmlns="" xmlns:a16="http://schemas.microsoft.com/office/drawing/2014/main" id="{5BBBB4D4-D451-4001-AE92-8D1309D0A9A7}"/>
               </a:ext>
             </a:extLst>
           </p:cNvPr>
@@ -5702,14 +5997,14 @@
                 <a:gridCol w="3762375">
                   <a:extLst>
                     <a:ext uri="{9D8B030D-6E8A-4147-A177-3AD203B41FA5}">
-                      <a16:colId xmlns:a16="http://schemas.microsoft.com/office/drawing/2014/main" xmlns="" val="20000"/>
+                      <a16:colId xmlns="" xmlns:a16="http://schemas.microsoft.com/office/drawing/2014/main" val="20000"/>
                     </a:ext>
                   </a:extLst>
                 </a:gridCol>
                 <a:gridCol w="3762375">
                   <a:extLst>
                     <a:ext uri="{9D8B030D-6E8A-4147-A177-3AD203B41FA5}">
-                      <a16:colId xmlns:a16="http://schemas.microsoft.com/office/drawing/2014/main" xmlns="" val="20001"/>
+                      <a16:colId xmlns="" xmlns:a16="http://schemas.microsoft.com/office/drawing/2014/main" val="20001"/>
                     </a:ext>
                   </a:extLst>
                 </a:gridCol>
@@ -5742,7 +6037,7 @@
                 </a:tc>
                 <a:extLst>
                   <a:ext uri="{0D108BD9-81ED-4DB2-BD59-A6C34878D82A}">
-                    <a16:rowId xmlns:a16="http://schemas.microsoft.com/office/drawing/2014/main" xmlns="" val="10000"/>
+                    <a16:rowId xmlns="" xmlns:a16="http://schemas.microsoft.com/office/drawing/2014/main" val="10000"/>
                   </a:ext>
                 </a:extLst>
               </a:tr>
@@ -5814,7 +6109,7 @@
                 </a:tc>
                 <a:extLst>
                   <a:ext uri="{0D108BD9-81ED-4DB2-BD59-A6C34878D82A}">
-                    <a16:rowId xmlns:a16="http://schemas.microsoft.com/office/drawing/2014/main" xmlns="" val="10001"/>
+                    <a16:rowId xmlns="" xmlns:a16="http://schemas.microsoft.com/office/drawing/2014/main" val="10001"/>
                   </a:ext>
                 </a:extLst>
               </a:tr>
@@ -5881,7 +6176,7 @@
                 </a:tc>
                 <a:extLst>
                   <a:ext uri="{0D108BD9-81ED-4DB2-BD59-A6C34878D82A}">
-                    <a16:rowId xmlns:a16="http://schemas.microsoft.com/office/drawing/2014/main" xmlns="" val="10002"/>
+                    <a16:rowId xmlns="" xmlns:a16="http://schemas.microsoft.com/office/drawing/2014/main" val="10002"/>
                   </a:ext>
                 </a:extLst>
               </a:tr>
@@ -5948,7 +6243,7 @@
                 </a:tc>
                 <a:extLst>
                   <a:ext uri="{0D108BD9-81ED-4DB2-BD59-A6C34878D82A}">
-                    <a16:rowId xmlns:a16="http://schemas.microsoft.com/office/drawing/2014/main" xmlns="" val="10003"/>
+                    <a16:rowId xmlns="" xmlns:a16="http://schemas.microsoft.com/office/drawing/2014/main" val="10003"/>
                   </a:ext>
                 </a:extLst>
               </a:tr>
@@ -6020,7 +6315,7 @@
                 </a:tc>
                 <a:extLst>
                   <a:ext uri="{0D108BD9-81ED-4DB2-BD59-A6C34878D82A}">
-                    <a16:rowId xmlns:a16="http://schemas.microsoft.com/office/drawing/2014/main" xmlns="" val="10004"/>
+                    <a16:rowId xmlns="" xmlns:a16="http://schemas.microsoft.com/office/drawing/2014/main" val="10004"/>
                   </a:ext>
                 </a:extLst>
               </a:tr>
@@ -6087,7 +6382,7 @@
                 </a:tc>
                 <a:extLst>
                   <a:ext uri="{0D108BD9-81ED-4DB2-BD59-A6C34878D82A}">
-                    <a16:rowId xmlns:a16="http://schemas.microsoft.com/office/drawing/2014/main" xmlns="" val="10005"/>
+                    <a16:rowId xmlns="" xmlns:a16="http://schemas.microsoft.com/office/drawing/2014/main" val="10005"/>
                   </a:ext>
                 </a:extLst>
               </a:tr>
@@ -6125,7 +6420,7 @@
                 </a:tc>
                 <a:extLst>
                   <a:ext uri="{0D108BD9-81ED-4DB2-BD59-A6C34878D82A}">
-                    <a16:rowId xmlns:a16="http://schemas.microsoft.com/office/drawing/2014/main" xmlns="" val="10006"/>
+                    <a16:rowId xmlns="" xmlns:a16="http://schemas.microsoft.com/office/drawing/2014/main" val="10006"/>
                   </a:ext>
                 </a:extLst>
               </a:tr>
@@ -6171,7 +6466,7 @@
           <p:cNvPr id="2" name="Title 1">
             <a:extLst>
               <a:ext uri="{FF2B5EF4-FFF2-40B4-BE49-F238E27FC236}">
-                <a16:creationId xmlns:a16="http://schemas.microsoft.com/office/drawing/2014/main" xmlns="" id="{0D22A254-FB8B-4B1E-8442-009D1001790F}"/>
+                <a16:creationId xmlns="" xmlns:a16="http://schemas.microsoft.com/office/drawing/2014/main" id="{0D22A254-FB8B-4B1E-8442-009D1001790F}"/>
               </a:ext>
             </a:extLst>
           </p:cNvPr>
@@ -6199,7 +6494,7 @@
           <p:cNvPr id="3" name="Content Placeholder 2">
             <a:extLst>
               <a:ext uri="{FF2B5EF4-FFF2-40B4-BE49-F238E27FC236}">
-                <a16:creationId xmlns:a16="http://schemas.microsoft.com/office/drawing/2014/main" xmlns="" id="{4CC4BF8E-3F45-4041-A8E1-9F9895BA99F8}"/>
+                <a16:creationId xmlns="" xmlns:a16="http://schemas.microsoft.com/office/drawing/2014/main" id="{4CC4BF8E-3F45-4041-A8E1-9F9895BA99F8}"/>
               </a:ext>
             </a:extLst>
           </p:cNvPr>
@@ -6289,7 +6584,7 @@
           <p:cNvPr id="4" name="Slide Number Placeholder 3">
             <a:extLst>
               <a:ext uri="{FF2B5EF4-FFF2-40B4-BE49-F238E27FC236}">
-                <a16:creationId xmlns:a16="http://schemas.microsoft.com/office/drawing/2014/main" xmlns="" id="{4A846178-05B9-4EC4-837F-87262A81F09E}"/>
+                <a16:creationId xmlns="" xmlns:a16="http://schemas.microsoft.com/office/drawing/2014/main" id="{4A846178-05B9-4EC4-837F-87262A81F09E}"/>
               </a:ext>
             </a:extLst>
           </p:cNvPr>
@@ -6357,7 +6652,7 @@
           <p:cNvPr id="2" name="Title 1">
             <a:extLst>
               <a:ext uri="{FF2B5EF4-FFF2-40B4-BE49-F238E27FC236}">
-                <a16:creationId xmlns:a16="http://schemas.microsoft.com/office/drawing/2014/main" xmlns="" id="{D2D7E8BE-E2BF-451B-BF44-8EE1135954D8}"/>
+                <a16:creationId xmlns="" xmlns:a16="http://schemas.microsoft.com/office/drawing/2014/main" id="{D2D7E8BE-E2BF-451B-BF44-8EE1135954D8}"/>
               </a:ext>
             </a:extLst>
           </p:cNvPr>
@@ -6385,7 +6680,7 @@
           <p:cNvPr id="3" name="Content Placeholder 2">
             <a:extLst>
               <a:ext uri="{FF2B5EF4-FFF2-40B4-BE49-F238E27FC236}">
-                <a16:creationId xmlns:a16="http://schemas.microsoft.com/office/drawing/2014/main" xmlns="" id="{990781F7-7F1B-4B6B-8074-8D327739B4A9}"/>
+                <a16:creationId xmlns="" xmlns:a16="http://schemas.microsoft.com/office/drawing/2014/main" id="{990781F7-7F1B-4B6B-8074-8D327739B4A9}"/>
               </a:ext>
             </a:extLst>
           </p:cNvPr>
@@ -6455,7 +6750,7 @@
           <p:cNvPr id="4" name="Slide Number Placeholder 3">
             <a:extLst>
               <a:ext uri="{FF2B5EF4-FFF2-40B4-BE49-F238E27FC236}">
-                <a16:creationId xmlns:a16="http://schemas.microsoft.com/office/drawing/2014/main" xmlns="" id="{775F373E-ADC9-4174-B28D-90C645AA5EB2}"/>
+                <a16:creationId xmlns="" xmlns:a16="http://schemas.microsoft.com/office/drawing/2014/main" id="{775F373E-ADC9-4174-B28D-90C645AA5EB2}"/>
               </a:ext>
             </a:extLst>
           </p:cNvPr>
@@ -6656,7 +6951,7 @@
           <p:cNvPr id="2" name="Title 1">
             <a:extLst>
               <a:ext uri="{FF2B5EF4-FFF2-40B4-BE49-F238E27FC236}">
-                <a16:creationId xmlns:a16="http://schemas.microsoft.com/office/drawing/2014/main" xmlns="" id="{EC6C60D9-666B-4B53-A2C3-260DF1CCF44F}"/>
+                <a16:creationId xmlns="" xmlns:a16="http://schemas.microsoft.com/office/drawing/2014/main" id="{EC6C60D9-666B-4B53-A2C3-260DF1CCF44F}"/>
               </a:ext>
             </a:extLst>
           </p:cNvPr>
@@ -6684,7 +6979,7 @@
           <p:cNvPr id="3" name="Content Placeholder 2">
             <a:extLst>
               <a:ext uri="{FF2B5EF4-FFF2-40B4-BE49-F238E27FC236}">
-                <a16:creationId xmlns:a16="http://schemas.microsoft.com/office/drawing/2014/main" xmlns="" id="{C1EBEEDC-F8EE-4852-AEF7-6AAA15D5E270}"/>
+                <a16:creationId xmlns="" xmlns:a16="http://schemas.microsoft.com/office/drawing/2014/main" id="{C1EBEEDC-F8EE-4852-AEF7-6AAA15D5E270}"/>
               </a:ext>
             </a:extLst>
           </p:cNvPr>
@@ -6767,7 +7062,7 @@
           <p:cNvPr id="4" name="Slide Number Placeholder 3">
             <a:extLst>
               <a:ext uri="{FF2B5EF4-FFF2-40B4-BE49-F238E27FC236}">
-                <a16:creationId xmlns:a16="http://schemas.microsoft.com/office/drawing/2014/main" xmlns="" id="{8AEED27E-680C-44EC-A66F-2E1DBF7DB498}"/>
+                <a16:creationId xmlns="" xmlns:a16="http://schemas.microsoft.com/office/drawing/2014/main" id="{8AEED27E-680C-44EC-A66F-2E1DBF7DB498}"/>
               </a:ext>
             </a:extLst>
           </p:cNvPr>
